--- a/Slides/09. Curvas no Plano.pptx
+++ b/Slides/09. Curvas no Plano.pptx
@@ -152,13 +152,404 @@
 <file path=ppt/revisionInfo.xml><?xml version="1.0" encoding="utf-8"?>
 <p1510:revInfo xmlns:a="http://schemas.openxmlformats.org/drawingml/2006/main" xmlns:r="http://schemas.openxmlformats.org/officeDocument/2006/relationships" xmlns:p1510="http://schemas.microsoft.com/office/powerpoint/2015/10/main">
   <p1510:revLst>
-    <p1510:client id="{A1C47ADA-1A77-4BE3-B324-7363819F1931}" v="841" dt="2020-09-10T06:52:04.621"/>
+    <p1510:client id="{FF83D3CA-850B-4F44-8A9F-6B07566BB9D1}" v="27" dt="2021-08-17T05:38:48.213"/>
   </p1510:revLst>
 </p1510:revInfo>
 </file>
 
 <file path=ppt/changesInfos/changesInfo1.xml><?xml version="1.0" encoding="utf-8"?>
 <pc:chgInfo xmlns:a="http://schemas.openxmlformats.org/drawingml/2006/main" xmlns:r="http://schemas.openxmlformats.org/officeDocument/2006/relationships" xmlns:ac="http://schemas.microsoft.com/office/drawing/2013/main/command" xmlns:pc="http://schemas.microsoft.com/office/powerpoint/2013/main/command">
+  <pc:docChgLst>
+    <pc:chgData name="Judson Santiago" userId="ebb108da2f256286" providerId="LiveId" clId="{FF83D3CA-850B-4F44-8A9F-6B07566BB9D1}"/>
+    <pc:docChg chg="undo redo custSel modSld modMainMaster">
+      <pc:chgData name="Judson Santiago" userId="ebb108da2f256286" providerId="LiveId" clId="{FF83D3CA-850B-4F44-8A9F-6B07566BB9D1}" dt="2021-08-18T06:12:56.974" v="129" actId="20577"/>
+      <pc:docMkLst>
+        <pc:docMk/>
+      </pc:docMkLst>
+      <pc:sldChg chg="modTransition">
+        <pc:chgData name="Judson Santiago" userId="ebb108da2f256286" providerId="LiveId" clId="{FF83D3CA-850B-4F44-8A9F-6B07566BB9D1}" dt="2021-08-17T05:26:55.630" v="95"/>
+        <pc:sldMkLst>
+          <pc:docMk/>
+          <pc:sldMk cId="3491607458" sldId="407"/>
+        </pc:sldMkLst>
+      </pc:sldChg>
+      <pc:sldChg chg="modSp mod modNotesTx">
+        <pc:chgData name="Judson Santiago" userId="ebb108da2f256286" providerId="LiveId" clId="{FF83D3CA-850B-4F44-8A9F-6B07566BB9D1}" dt="2021-08-18T06:12:56.974" v="129" actId="20577"/>
+        <pc:sldMkLst>
+          <pc:docMk/>
+          <pc:sldMk cId="3242534635" sldId="417"/>
+        </pc:sldMkLst>
+        <pc:spChg chg="mod">
+          <ac:chgData name="Judson Santiago" userId="ebb108da2f256286" providerId="LiveId" clId="{FF83D3CA-850B-4F44-8A9F-6B07566BB9D1}" dt="2021-08-15T20:19:24.106" v="93" actId="1036"/>
+          <ac:spMkLst>
+            <pc:docMk/>
+            <pc:sldMk cId="3242534635" sldId="417"/>
+            <ac:spMk id="2" creationId="{8A4882BD-45BC-4EE6-8C6F-5DA5BFD95B1C}"/>
+          </ac:spMkLst>
+        </pc:spChg>
+      </pc:sldChg>
+      <pc:sldChg chg="modSp mod modTransition">
+        <pc:chgData name="Judson Santiago" userId="ebb108da2f256286" providerId="LiveId" clId="{FF83D3CA-850B-4F44-8A9F-6B07566BB9D1}" dt="2021-08-17T05:26:55.630" v="95"/>
+        <pc:sldMkLst>
+          <pc:docMk/>
+          <pc:sldMk cId="1847583087" sldId="450"/>
+        </pc:sldMkLst>
+        <pc:grpChg chg="mod">
+          <ac:chgData name="Judson Santiago" userId="ebb108da2f256286" providerId="LiveId" clId="{FF83D3CA-850B-4F44-8A9F-6B07566BB9D1}" dt="2021-08-15T19:49:30.804" v="0" actId="1076"/>
+          <ac:grpSpMkLst>
+            <pc:docMk/>
+            <pc:sldMk cId="1847583087" sldId="450"/>
+            <ac:grpSpMk id="32" creationId="{44571C69-D942-499B-A5A5-9D9F823C02DF}"/>
+          </ac:grpSpMkLst>
+        </pc:grpChg>
+      </pc:sldChg>
+      <pc:sldChg chg="modTransition">
+        <pc:chgData name="Judson Santiago" userId="ebb108da2f256286" providerId="LiveId" clId="{FF83D3CA-850B-4F44-8A9F-6B07566BB9D1}" dt="2021-08-17T05:26:55.630" v="95"/>
+        <pc:sldMkLst>
+          <pc:docMk/>
+          <pc:sldMk cId="1373441035" sldId="451"/>
+        </pc:sldMkLst>
+      </pc:sldChg>
+      <pc:sldChg chg="modTransition">
+        <pc:chgData name="Judson Santiago" userId="ebb108da2f256286" providerId="LiveId" clId="{FF83D3CA-850B-4F44-8A9F-6B07566BB9D1}" dt="2021-08-17T05:26:55.630" v="95"/>
+        <pc:sldMkLst>
+          <pc:docMk/>
+          <pc:sldMk cId="3038248983" sldId="452"/>
+        </pc:sldMkLst>
+      </pc:sldChg>
+      <pc:sldChg chg="modTransition">
+        <pc:chgData name="Judson Santiago" userId="ebb108da2f256286" providerId="LiveId" clId="{FF83D3CA-850B-4F44-8A9F-6B07566BB9D1}" dt="2021-08-17T05:26:55.630" v="95"/>
+        <pc:sldMkLst>
+          <pc:docMk/>
+          <pc:sldMk cId="368665649" sldId="453"/>
+        </pc:sldMkLst>
+      </pc:sldChg>
+      <pc:sldChg chg="modTransition">
+        <pc:chgData name="Judson Santiago" userId="ebb108da2f256286" providerId="LiveId" clId="{FF83D3CA-850B-4F44-8A9F-6B07566BB9D1}" dt="2021-08-17T05:26:55.630" v="95"/>
+        <pc:sldMkLst>
+          <pc:docMk/>
+          <pc:sldMk cId="197660331" sldId="454"/>
+        </pc:sldMkLst>
+      </pc:sldChg>
+      <pc:sldChg chg="modTransition">
+        <pc:chgData name="Judson Santiago" userId="ebb108da2f256286" providerId="LiveId" clId="{FF83D3CA-850B-4F44-8A9F-6B07566BB9D1}" dt="2021-08-17T05:26:55.630" v="95"/>
+        <pc:sldMkLst>
+          <pc:docMk/>
+          <pc:sldMk cId="2851758440" sldId="455"/>
+        </pc:sldMkLst>
+      </pc:sldChg>
+      <pc:sldChg chg="modTransition">
+        <pc:chgData name="Judson Santiago" userId="ebb108da2f256286" providerId="LiveId" clId="{FF83D3CA-850B-4F44-8A9F-6B07566BB9D1}" dt="2021-08-17T05:26:55.630" v="95"/>
+        <pc:sldMkLst>
+          <pc:docMk/>
+          <pc:sldMk cId="1115309193" sldId="456"/>
+        </pc:sldMkLst>
+      </pc:sldChg>
+      <pc:sldChg chg="modTransition">
+        <pc:chgData name="Judson Santiago" userId="ebb108da2f256286" providerId="LiveId" clId="{FF83D3CA-850B-4F44-8A9F-6B07566BB9D1}" dt="2021-08-17T05:26:55.630" v="95"/>
+        <pc:sldMkLst>
+          <pc:docMk/>
+          <pc:sldMk cId="1834282693" sldId="457"/>
+        </pc:sldMkLst>
+      </pc:sldChg>
+      <pc:sldChg chg="modTransition">
+        <pc:chgData name="Judson Santiago" userId="ebb108da2f256286" providerId="LiveId" clId="{FF83D3CA-850B-4F44-8A9F-6B07566BB9D1}" dt="2021-08-17T05:26:55.630" v="95"/>
+        <pc:sldMkLst>
+          <pc:docMk/>
+          <pc:sldMk cId="930335260" sldId="458"/>
+        </pc:sldMkLst>
+      </pc:sldChg>
+      <pc:sldChg chg="modTransition">
+        <pc:chgData name="Judson Santiago" userId="ebb108da2f256286" providerId="LiveId" clId="{FF83D3CA-850B-4F44-8A9F-6B07566BB9D1}" dt="2021-08-17T05:26:55.630" v="95"/>
+        <pc:sldMkLst>
+          <pc:docMk/>
+          <pc:sldMk cId="3925467842" sldId="459"/>
+        </pc:sldMkLst>
+      </pc:sldChg>
+      <pc:sldChg chg="modTransition">
+        <pc:chgData name="Judson Santiago" userId="ebb108da2f256286" providerId="LiveId" clId="{FF83D3CA-850B-4F44-8A9F-6B07566BB9D1}" dt="2021-08-17T05:26:55.630" v="95"/>
+        <pc:sldMkLst>
+          <pc:docMk/>
+          <pc:sldMk cId="3230465021" sldId="460"/>
+        </pc:sldMkLst>
+      </pc:sldChg>
+      <pc:sldChg chg="modTransition">
+        <pc:chgData name="Judson Santiago" userId="ebb108da2f256286" providerId="LiveId" clId="{FF83D3CA-850B-4F44-8A9F-6B07566BB9D1}" dt="2021-08-17T05:26:55.630" v="95"/>
+        <pc:sldMkLst>
+          <pc:docMk/>
+          <pc:sldMk cId="2096815850" sldId="461"/>
+        </pc:sldMkLst>
+      </pc:sldChg>
+      <pc:sldChg chg="addSp delSp modSp mod modTransition">
+        <pc:chgData name="Judson Santiago" userId="ebb108da2f256286" providerId="LiveId" clId="{FF83D3CA-850B-4F44-8A9F-6B07566BB9D1}" dt="2021-08-17T05:26:55.630" v="95"/>
+        <pc:sldMkLst>
+          <pc:docMk/>
+          <pc:sldMk cId="1257904419" sldId="462"/>
+        </pc:sldMkLst>
+        <pc:spChg chg="add del mod">
+          <ac:chgData name="Judson Santiago" userId="ebb108da2f256286" providerId="LiveId" clId="{FF83D3CA-850B-4F44-8A9F-6B07566BB9D1}" dt="2021-08-15T19:58:46" v="6" actId="478"/>
+          <ac:spMkLst>
+            <pc:docMk/>
+            <pc:sldMk cId="1257904419" sldId="462"/>
+            <ac:spMk id="48" creationId="{56E99594-D720-4E9A-B1ED-DFCBEC61F604}"/>
+          </ac:spMkLst>
+        </pc:spChg>
+        <pc:spChg chg="add mod">
+          <ac:chgData name="Judson Santiago" userId="ebb108da2f256286" providerId="LiveId" clId="{FF83D3CA-850B-4F44-8A9F-6B07566BB9D1}" dt="2021-08-15T19:58:53.255" v="8" actId="1076"/>
+          <ac:spMkLst>
+            <pc:docMk/>
+            <pc:sldMk cId="1257904419" sldId="462"/>
+            <ac:spMk id="50" creationId="{39BA6B87-6950-44AA-A0D5-51C98FC3F21E}"/>
+          </ac:spMkLst>
+        </pc:spChg>
+        <pc:spChg chg="mod">
+          <ac:chgData name="Judson Santiago" userId="ebb108da2f256286" providerId="LiveId" clId="{FF83D3CA-850B-4F44-8A9F-6B07566BB9D1}" dt="2021-08-15T19:59:22.463" v="37" actId="1076"/>
+          <ac:spMkLst>
+            <pc:docMk/>
+            <pc:sldMk cId="1257904419" sldId="462"/>
+            <ac:spMk id="63" creationId="{E8255428-A4F6-42F5-BE33-C820DD937E88}"/>
+          </ac:spMkLst>
+        </pc:spChg>
+        <pc:spChg chg="mod">
+          <ac:chgData name="Judson Santiago" userId="ebb108da2f256286" providerId="LiveId" clId="{FF83D3CA-850B-4F44-8A9F-6B07566BB9D1}" dt="2021-08-15T19:59:48.065" v="58" actId="1037"/>
+          <ac:spMkLst>
+            <pc:docMk/>
+            <pc:sldMk cId="1257904419" sldId="462"/>
+            <ac:spMk id="64" creationId="{13E56C5C-0CF9-4444-B308-62322D3F4EE8}"/>
+          </ac:spMkLst>
+        </pc:spChg>
+        <pc:spChg chg="mod">
+          <ac:chgData name="Judson Santiago" userId="ebb108da2f256286" providerId="LiveId" clId="{FF83D3CA-850B-4F44-8A9F-6B07566BB9D1}" dt="2021-08-15T19:59:55.846" v="59" actId="1076"/>
+          <ac:spMkLst>
+            <pc:docMk/>
+            <pc:sldMk cId="1257904419" sldId="462"/>
+            <ac:spMk id="66" creationId="{C8C30E45-4417-4AD3-AB21-DBE9BAD22861}"/>
+          </ac:spMkLst>
+        </pc:spChg>
+        <pc:grpChg chg="mod">
+          <ac:chgData name="Judson Santiago" userId="ebb108da2f256286" providerId="LiveId" clId="{FF83D3CA-850B-4F44-8A9F-6B07566BB9D1}" dt="2021-08-15T19:59:28.002" v="38" actId="555"/>
+          <ac:grpSpMkLst>
+            <pc:docMk/>
+            <pc:sldMk cId="1257904419" sldId="462"/>
+            <ac:grpSpMk id="69" creationId="{560E30F3-9A7A-49D5-BE5C-7ED8029FD952}"/>
+          </ac:grpSpMkLst>
+        </pc:grpChg>
+        <pc:grpChg chg="mod">
+          <ac:chgData name="Judson Santiago" userId="ebb108da2f256286" providerId="LiveId" clId="{FF83D3CA-850B-4F44-8A9F-6B07566BB9D1}" dt="2021-08-15T19:59:28.002" v="38" actId="555"/>
+          <ac:grpSpMkLst>
+            <pc:docMk/>
+            <pc:sldMk cId="1257904419" sldId="462"/>
+            <ac:grpSpMk id="70" creationId="{0942F84D-FB4F-4310-AFDE-1E4C786A078C}"/>
+          </ac:grpSpMkLst>
+        </pc:grpChg>
+        <pc:cxnChg chg="add mod">
+          <ac:chgData name="Judson Santiago" userId="ebb108da2f256286" providerId="LiveId" clId="{FF83D3CA-850B-4F44-8A9F-6B07566BB9D1}" dt="2021-08-15T19:58:32.341" v="5" actId="14100"/>
+          <ac:cxnSpMkLst>
+            <pc:docMk/>
+            <pc:sldMk cId="1257904419" sldId="462"/>
+            <ac:cxnSpMk id="47" creationId="{4B4B7312-27F3-4647-A167-81F3E06F0A60}"/>
+          </ac:cxnSpMkLst>
+        </pc:cxnChg>
+        <pc:cxnChg chg="add mod">
+          <ac:chgData name="Judson Santiago" userId="ebb108da2f256286" providerId="LiveId" clId="{FF83D3CA-850B-4F44-8A9F-6B07566BB9D1}" dt="2021-08-15T19:58:53.255" v="8" actId="1076"/>
+          <ac:cxnSpMkLst>
+            <pc:docMk/>
+            <pc:sldMk cId="1257904419" sldId="462"/>
+            <ac:cxnSpMk id="55" creationId="{8378D208-56A9-42AB-8CE3-B8B3CD5AEE06}"/>
+          </ac:cxnSpMkLst>
+        </pc:cxnChg>
+        <pc:cxnChg chg="mod">
+          <ac:chgData name="Judson Santiago" userId="ebb108da2f256286" providerId="LiveId" clId="{FF83D3CA-850B-4F44-8A9F-6B07566BB9D1}" dt="2021-08-15T19:59:55.846" v="59" actId="1076"/>
+          <ac:cxnSpMkLst>
+            <pc:docMk/>
+            <pc:sldMk cId="1257904419" sldId="462"/>
+            <ac:cxnSpMk id="67" creationId="{B036B1B6-8146-4C7C-A5B9-4B490A652733}"/>
+          </ac:cxnSpMkLst>
+        </pc:cxnChg>
+      </pc:sldChg>
+      <pc:sldChg chg="modSp mod modTransition">
+        <pc:chgData name="Judson Santiago" userId="ebb108da2f256286" providerId="LiveId" clId="{FF83D3CA-850B-4F44-8A9F-6B07566BB9D1}" dt="2021-08-17T05:26:55.630" v="95"/>
+        <pc:sldMkLst>
+          <pc:docMk/>
+          <pc:sldMk cId="3792415003" sldId="463"/>
+        </pc:sldMkLst>
+        <pc:spChg chg="mod">
+          <ac:chgData name="Judson Santiago" userId="ebb108da2f256286" providerId="LiveId" clId="{FF83D3CA-850B-4F44-8A9F-6B07566BB9D1}" dt="2021-08-15T20:02:05.035" v="60" actId="1076"/>
+          <ac:spMkLst>
+            <pc:docMk/>
+            <pc:sldMk cId="3792415003" sldId="463"/>
+            <ac:spMk id="29" creationId="{3FCA75CD-1715-44BC-97DA-F97D4E414C66}"/>
+          </ac:spMkLst>
+        </pc:spChg>
+      </pc:sldChg>
+      <pc:sldChg chg="modTransition">
+        <pc:chgData name="Judson Santiago" userId="ebb108da2f256286" providerId="LiveId" clId="{FF83D3CA-850B-4F44-8A9F-6B07566BB9D1}" dt="2021-08-17T05:26:55.630" v="95"/>
+        <pc:sldMkLst>
+          <pc:docMk/>
+          <pc:sldMk cId="3860049748" sldId="464"/>
+        </pc:sldMkLst>
+      </pc:sldChg>
+      <pc:sldChg chg="modTransition">
+        <pc:chgData name="Judson Santiago" userId="ebb108da2f256286" providerId="LiveId" clId="{FF83D3CA-850B-4F44-8A9F-6B07566BB9D1}" dt="2021-08-17T05:26:55.630" v="95"/>
+        <pc:sldMkLst>
+          <pc:docMk/>
+          <pc:sldMk cId="2668845449" sldId="465"/>
+        </pc:sldMkLst>
+      </pc:sldChg>
+      <pc:sldChg chg="modTransition">
+        <pc:chgData name="Judson Santiago" userId="ebb108da2f256286" providerId="LiveId" clId="{FF83D3CA-850B-4F44-8A9F-6B07566BB9D1}" dt="2021-08-17T05:26:55.630" v="95"/>
+        <pc:sldMkLst>
+          <pc:docMk/>
+          <pc:sldMk cId="2485977539" sldId="466"/>
+        </pc:sldMkLst>
+      </pc:sldChg>
+      <pc:sldChg chg="modTransition">
+        <pc:chgData name="Judson Santiago" userId="ebb108da2f256286" providerId="LiveId" clId="{FF83D3CA-850B-4F44-8A9F-6B07566BB9D1}" dt="2021-08-17T05:26:55.630" v="95"/>
+        <pc:sldMkLst>
+          <pc:docMk/>
+          <pc:sldMk cId="1311076541" sldId="467"/>
+        </pc:sldMkLst>
+      </pc:sldChg>
+      <pc:sldChg chg="modTransition modAnim">
+        <pc:chgData name="Judson Santiago" userId="ebb108da2f256286" providerId="LiveId" clId="{FF83D3CA-850B-4F44-8A9F-6B07566BB9D1}" dt="2021-08-17T05:38:48.213" v="117"/>
+        <pc:sldMkLst>
+          <pc:docMk/>
+          <pc:sldMk cId="1287050285" sldId="468"/>
+        </pc:sldMkLst>
+      </pc:sldChg>
+      <pc:sldChg chg="modTransition">
+        <pc:chgData name="Judson Santiago" userId="ebb108da2f256286" providerId="LiveId" clId="{FF83D3CA-850B-4F44-8A9F-6B07566BB9D1}" dt="2021-08-17T05:26:55.630" v="95"/>
+        <pc:sldMkLst>
+          <pc:docMk/>
+          <pc:sldMk cId="2273951282" sldId="469"/>
+        </pc:sldMkLst>
+      </pc:sldChg>
+      <pc:sldChg chg="modTransition modAnim">
+        <pc:chgData name="Judson Santiago" userId="ebb108da2f256286" providerId="LiveId" clId="{FF83D3CA-850B-4F44-8A9F-6B07566BB9D1}" dt="2021-08-17T05:32:11.294" v="96"/>
+        <pc:sldMkLst>
+          <pc:docMk/>
+          <pc:sldMk cId="1407754642" sldId="470"/>
+        </pc:sldMkLst>
+      </pc:sldChg>
+      <pc:sldMasterChg chg="delSp mod modSldLayout">
+        <pc:chgData name="Judson Santiago" userId="ebb108da2f256286" providerId="LiveId" clId="{FF83D3CA-850B-4F44-8A9F-6B07566BB9D1}" dt="2021-08-15T20:19:36.090" v="94" actId="21"/>
+        <pc:sldMasterMkLst>
+          <pc:docMk/>
+          <pc:sldMasterMk cId="3191364939" sldId="2147483687"/>
+        </pc:sldMasterMkLst>
+        <pc:grpChg chg="del">
+          <ac:chgData name="Judson Santiago" userId="ebb108da2f256286" providerId="LiveId" clId="{FF83D3CA-850B-4F44-8A9F-6B07566BB9D1}" dt="2021-08-15T20:19:36.090" v="94" actId="21"/>
+          <ac:grpSpMkLst>
+            <pc:docMk/>
+            <pc:sldMasterMk cId="3191364939" sldId="2147483687"/>
+            <ac:grpSpMk id="8" creationId="{C3F570DD-39FE-BA41-A7AB-3D351368D6C7}"/>
+          </ac:grpSpMkLst>
+        </pc:grpChg>
+        <pc:sldLayoutChg chg="addSp delSp modSp mod">
+          <pc:chgData name="Judson Santiago" userId="ebb108da2f256286" providerId="LiveId" clId="{FF83D3CA-850B-4F44-8A9F-6B07566BB9D1}" dt="2021-08-15T20:19:09.987" v="68" actId="403"/>
+          <pc:sldLayoutMkLst>
+            <pc:docMk/>
+            <pc:sldMasterMk cId="3191364939" sldId="2147483687"/>
+            <pc:sldLayoutMk cId="294128816" sldId="2147483688"/>
+          </pc:sldLayoutMkLst>
+          <pc:spChg chg="del">
+            <ac:chgData name="Judson Santiago" userId="ebb108da2f256286" providerId="LiveId" clId="{FF83D3CA-850B-4F44-8A9F-6B07566BB9D1}" dt="2021-08-15T20:18:58.121" v="64" actId="478"/>
+            <ac:spMkLst>
+              <pc:docMk/>
+              <pc:sldMasterMk cId="3191364939" sldId="2147483687"/>
+              <pc:sldLayoutMk cId="294128816" sldId="2147483688"/>
+              <ac:spMk id="6" creationId="{7218E033-A411-480D-97C3-053441EBA70B}"/>
+            </ac:spMkLst>
+          </pc:spChg>
+          <pc:spChg chg="add mod ord">
+            <ac:chgData name="Judson Santiago" userId="ebb108da2f256286" providerId="LiveId" clId="{FF83D3CA-850B-4F44-8A9F-6B07566BB9D1}" dt="2021-08-15T20:19:05.244" v="67" actId="167"/>
+            <ac:spMkLst>
+              <pc:docMk/>
+              <pc:sldMasterMk cId="3191364939" sldId="2147483687"/>
+              <pc:sldLayoutMk cId="294128816" sldId="2147483688"/>
+              <ac:spMk id="9" creationId="{1DA09602-B9DB-40B3-B1BB-8DE249F90C8E}"/>
+            </ac:spMkLst>
+          </pc:spChg>
+          <pc:spChg chg="mod">
+            <ac:chgData name="Judson Santiago" userId="ebb108da2f256286" providerId="LiveId" clId="{FF83D3CA-850B-4F44-8A9F-6B07566BB9D1}" dt="2021-08-15T20:19:09.987" v="68" actId="403"/>
+            <ac:spMkLst>
+              <pc:docMk/>
+              <pc:sldMasterMk cId="3191364939" sldId="2147483687"/>
+              <pc:sldLayoutMk cId="294128816" sldId="2147483688"/>
+              <ac:spMk id="12" creationId="{7586B533-FD86-41A8-991D-55BA5015E351}"/>
+            </ac:spMkLst>
+          </pc:spChg>
+          <pc:spChg chg="mod">
+            <ac:chgData name="Judson Santiago" userId="ebb108da2f256286" providerId="LiveId" clId="{FF83D3CA-850B-4F44-8A9F-6B07566BB9D1}" dt="2021-08-15T20:18:53.777" v="63" actId="403"/>
+            <ac:spMkLst>
+              <pc:docMk/>
+              <pc:sldMasterMk cId="3191364939" sldId="2147483687"/>
+              <pc:sldLayoutMk cId="294128816" sldId="2147483688"/>
+              <ac:spMk id="13" creationId="{A1215749-FB6C-4334-96C3-494E2B2B5BEA}"/>
+            </ac:spMkLst>
+          </pc:spChg>
+          <pc:picChg chg="add mod ord">
+            <ac:chgData name="Judson Santiago" userId="ebb108da2f256286" providerId="LiveId" clId="{FF83D3CA-850B-4F44-8A9F-6B07566BB9D1}" dt="2021-08-15T20:19:05.244" v="67" actId="167"/>
+            <ac:picMkLst>
+              <pc:docMk/>
+              <pc:sldMasterMk cId="3191364939" sldId="2147483687"/>
+              <pc:sldLayoutMk cId="294128816" sldId="2147483688"/>
+              <ac:picMk id="7" creationId="{2639B27D-BAAC-4F2F-8776-8AD708278688}"/>
+            </ac:picMkLst>
+          </pc:picChg>
+          <pc:picChg chg="del">
+            <ac:chgData name="Judson Santiago" userId="ebb108da2f256286" providerId="LiveId" clId="{FF83D3CA-850B-4F44-8A9F-6B07566BB9D1}" dt="2021-08-15T20:18:59.355" v="65" actId="478"/>
+            <ac:picMkLst>
+              <pc:docMk/>
+              <pc:sldMasterMk cId="3191364939" sldId="2147483687"/>
+              <pc:sldLayoutMk cId="294128816" sldId="2147483688"/>
+              <ac:picMk id="8" creationId="{BEF47DFF-3CB1-4321-94ED-FC3D04CCEE5C}"/>
+            </ac:picMkLst>
+          </pc:picChg>
+        </pc:sldLayoutChg>
+      </pc:sldMasterChg>
+    </pc:docChg>
+  </pc:docChgLst>
+  <pc:docChgLst>
+    <pc:chgData name="Judson Santiago" userId="ebb108da2f256286" providerId="LiveId" clId="{6461D0A8-4BD1-C847-B808-A6018C9BB1CC}"/>
+    <pc:docChg chg="modMainMaster">
+      <pc:chgData name="Judson Santiago" userId="ebb108da2f256286" providerId="LiveId" clId="{6461D0A8-4BD1-C847-B808-A6018C9BB1CC}" dt="2021-08-15T02:50:05.634" v="0"/>
+      <pc:docMkLst>
+        <pc:docMk/>
+      </pc:docMkLst>
+      <pc:sldMasterChg chg="addSp modSp">
+        <pc:chgData name="Judson Santiago" userId="ebb108da2f256286" providerId="LiveId" clId="{6461D0A8-4BD1-C847-B808-A6018C9BB1CC}" dt="2021-08-15T02:50:05.634" v="0"/>
+        <pc:sldMasterMkLst>
+          <pc:docMk/>
+          <pc:sldMasterMk cId="3191364939" sldId="2147483687"/>
+        </pc:sldMasterMkLst>
+        <pc:spChg chg="mod">
+          <ac:chgData name="Judson Santiago" userId="ebb108da2f256286" providerId="LiveId" clId="{6461D0A8-4BD1-C847-B808-A6018C9BB1CC}" dt="2021-08-15T02:50:05.634" v="0"/>
+          <ac:spMkLst>
+            <pc:docMk/>
+            <pc:sldMasterMk cId="3191364939" sldId="2147483687"/>
+            <ac:spMk id="11" creationId="{844A31E0-0E4A-1345-BC9B-B748AA097062}"/>
+          </ac:spMkLst>
+        </pc:spChg>
+        <pc:grpChg chg="add mod">
+          <ac:chgData name="Judson Santiago" userId="ebb108da2f256286" providerId="LiveId" clId="{6461D0A8-4BD1-C847-B808-A6018C9BB1CC}" dt="2021-08-15T02:50:05.634" v="0"/>
+          <ac:grpSpMkLst>
+            <pc:docMk/>
+            <pc:sldMasterMk cId="3191364939" sldId="2147483687"/>
+            <ac:grpSpMk id="8" creationId="{C3F570DD-39FE-BA41-A7AB-3D351368D6C7}"/>
+          </ac:grpSpMkLst>
+        </pc:grpChg>
+        <pc:picChg chg="mod">
+          <ac:chgData name="Judson Santiago" userId="ebb108da2f256286" providerId="LiveId" clId="{6461D0A8-4BD1-C847-B808-A6018C9BB1CC}" dt="2021-08-15T02:50:05.634" v="0"/>
+          <ac:picMkLst>
+            <pc:docMk/>
+            <pc:sldMasterMk cId="3191364939" sldId="2147483687"/>
+            <ac:picMk id="10" creationId="{12B85D63-E986-0B4E-B78F-CD5852DC7610}"/>
+          </ac:picMkLst>
+        </pc:picChg>
+      </pc:sldMasterChg>
+    </pc:docChg>
+  </pc:docChgLst>
   <pc:docChgLst>
     <pc:chgData name="Judson Santiago" userId="ebb108da2f256286" providerId="LiveId" clId="{A1C47ADA-1A77-4BE3-B324-7363819F1931}"/>
     <pc:docChg chg="undo redo custSel addSld delSld modSld sldOrd modMainMaster">
@@ -6449,7 +6840,7 @@
           <a:p>
             <a:fld id="{A27D232B-A0D8-4A8D-9E79-3B9997589889}" type="datetimeFigureOut">
               <a:rPr lang="pt-BR" smtClean="0"/>
-              <a:t>10/09/2020</a:t>
+              <a:t>18/08/2021</a:t>
             </a:fld>
             <a:endParaRPr lang="pt-BR"/>
           </a:p>
@@ -6760,25 +7151,87 @@
           <a:bodyPr/>
           <a:lstStyle/>
           <a:p>
+            <a:pPr marL="171450" indent="-171450">
+              <a:buFontTx/>
+              <a:buChar char="-"/>
+            </a:pPr>
             <a:r>
               <a:rPr lang="pt-BR" dirty="0"/>
-              <a:t>A curva de </a:t>
+              <a:t>A história da criação de curvas no computador. </a:t>
+            </a:r>
+          </a:p>
+          <a:p>
+            <a:pPr marL="171450" indent="-171450">
+              <a:buFontTx/>
+              <a:buChar char="-"/>
+            </a:pPr>
+            <a:r>
+              <a:rPr lang="pt-BR" dirty="0"/>
+              <a:t>Fundamentação teórica: espaços vetoriais e combinações afim. </a:t>
+            </a:r>
+          </a:p>
+          <a:p>
+            <a:pPr marL="171450" indent="-171450">
+              <a:buFontTx/>
+              <a:buChar char="-"/>
+            </a:pPr>
+            <a:r>
+              <a:rPr lang="pt-BR" dirty="0"/>
+              <a:t>A relação entre as combinações afins e as curvas. </a:t>
+            </a:r>
+          </a:p>
+          <a:p>
+            <a:pPr marL="171450" indent="-171450">
+              <a:buFontTx/>
+              <a:buChar char="-"/>
+            </a:pPr>
+            <a:r>
+              <a:rPr lang="pt-BR" dirty="0"/>
+              <a:t>Polinômios de Bernstein. </a:t>
+            </a:r>
+          </a:p>
+          <a:p>
+            <a:pPr marL="171450" indent="-171450">
+              <a:buFontTx/>
+              <a:buChar char="-"/>
+            </a:pPr>
+            <a:r>
+              <a:rPr lang="pt-BR" dirty="0"/>
+              <a:t>As curvas de Bézier e de </a:t>
             </a:r>
             <a:r>
               <a:rPr lang="pt-BR" dirty="0" err="1"/>
-              <a:t>Hermite</a:t>
+              <a:t>De</a:t>
             </a:r>
             <a:r>
               <a:rPr lang="pt-BR" dirty="0"/>
-              <a:t> (pronunciado </a:t>
+              <a:t> </a:t>
             </a:r>
             <a:r>
               <a:rPr lang="pt-BR" dirty="0" err="1"/>
-              <a:t>airMeet</a:t>
+              <a:t>Casteljau</a:t>
             </a:r>
             <a:r>
               <a:rPr lang="pt-BR" dirty="0"/>
-              <a:t>) consegue unir dois pontos A e B, dados os vetores tangentes em cada um dos pontos.</a:t>
+              <a:t>. </a:t>
+            </a:r>
+          </a:p>
+          <a:p>
+            <a:pPr marL="171450" indent="-171450">
+              <a:buFontTx/>
+              <a:buChar char="-"/>
+            </a:pPr>
+            <a:r>
+              <a:rPr lang="pt-BR" dirty="0"/>
+              <a:t>O algoritmo de curvas de </a:t>
+            </a:r>
+            <a:r>
+              <a:rPr lang="pt-BR" dirty="0" err="1"/>
+              <a:t>Chaikin</a:t>
+            </a:r>
+            <a:r>
+              <a:rPr lang="pt-BR" dirty="0"/>
+              <a:t>.</a:t>
             </a:r>
           </a:p>
         </p:txBody>
@@ -6800,7 +7253,7 @@
           <a:p>
             <a:fld id="{6E9A670B-A0C8-46B4-A2C3-0F9D7276AEB5}" type="slidenum">
               <a:rPr lang="pt-BR" smtClean="0"/>
-              <a:t>2</a:t>
+              <a:t>1</a:t>
             </a:fld>
             <a:endParaRPr lang="pt-BR"/>
           </a:p>
@@ -6809,7 +7262,7 @@
     </p:spTree>
     <p:extLst>
       <p:ext uri="{BB962C8B-B14F-4D97-AF65-F5344CB8AC3E}">
-        <p14:creationId xmlns:p14="http://schemas.microsoft.com/office/powerpoint/2010/main" val="27312599"/>
+        <p14:creationId xmlns:p14="http://schemas.microsoft.com/office/powerpoint/2010/main" val="341679192"/>
       </p:ext>
     </p:extLst>
   </p:cSld>
@@ -6865,7 +7318,7 @@
           <a:p>
             <a:r>
               <a:rPr lang="pt-BR" dirty="0"/>
-              <a:t>Perceba que os coeficientes de P1 e P2, que são respectivamente (1-t) e t, tem sua soma igual a 1. Um espaço afim é um conjunto em que temos vetores que obedecem as regras de um espaço vetoriais mais pontos que formam combinações afins.</a:t>
+              <a:t>Adicionar um vetor a um ponto resulta em outro ponto.</a:t>
             </a:r>
           </a:p>
         </p:txBody>
@@ -6887,7 +7340,7 @@
           <a:p>
             <a:fld id="{6E9A670B-A0C8-46B4-A2C3-0F9D7276AEB5}" type="slidenum">
               <a:rPr lang="pt-BR" smtClean="0"/>
-              <a:t>13</a:t>
+              <a:t>12</a:t>
             </a:fld>
             <a:endParaRPr lang="pt-BR"/>
           </a:p>
@@ -6896,7 +7349,7 @@
     </p:spTree>
     <p:extLst>
       <p:ext uri="{BB962C8B-B14F-4D97-AF65-F5344CB8AC3E}">
-        <p14:creationId xmlns:p14="http://schemas.microsoft.com/office/powerpoint/2010/main" val="2885315893"/>
+        <p14:creationId xmlns:p14="http://schemas.microsoft.com/office/powerpoint/2010/main" val="1081223508"/>
       </p:ext>
     </p:extLst>
   </p:cSld>
@@ -6952,7 +7405,7 @@
           <a:p>
             <a:r>
               <a:rPr lang="pt-BR" dirty="0"/>
-              <a:t>Podemos achar qualquer ponto dentro de triângulo em termos dos vértices do triângulo. O triângulo funciona como um sistema de coordenadas.</a:t>
+              <a:t>Perceba que os coeficientes de P1 e P2, que são respectivamente (1-t) e t, tem sua soma igual a 1. Um espaço afim é um conjunto em que temos vetores que obedecem as regras de um espaço vetoriais mais pontos que formam combinações afins.</a:t>
             </a:r>
           </a:p>
         </p:txBody>
@@ -6974,7 +7427,7 @@
           <a:p>
             <a:fld id="{6E9A670B-A0C8-46B4-A2C3-0F9D7276AEB5}" type="slidenum">
               <a:rPr lang="pt-BR" smtClean="0"/>
-              <a:t>14</a:t>
+              <a:t>13</a:t>
             </a:fld>
             <a:endParaRPr lang="pt-BR"/>
           </a:p>
@@ -6983,7 +7436,7 @@
     </p:spTree>
     <p:extLst>
       <p:ext uri="{BB962C8B-B14F-4D97-AF65-F5344CB8AC3E}">
-        <p14:creationId xmlns:p14="http://schemas.microsoft.com/office/powerpoint/2010/main" val="4013000235"/>
+        <p14:creationId xmlns:p14="http://schemas.microsoft.com/office/powerpoint/2010/main" val="2885315893"/>
       </p:ext>
     </p:extLst>
   </p:cSld>
@@ -7039,7 +7492,7 @@
           <a:p>
             <a:r>
               <a:rPr lang="pt-BR" dirty="0"/>
-              <a:t>Mostrar que a equação forma uma curva olhando os resultados para t = 0 e t = 1</a:t>
+              <a:t>Podemos achar qualquer ponto dentro de triângulo em termos dos vértices do triângulo. O triângulo funciona como um sistema de coordenadas.</a:t>
             </a:r>
           </a:p>
         </p:txBody>
@@ -7061,7 +7514,7 @@
           <a:p>
             <a:fld id="{6E9A670B-A0C8-46B4-A2C3-0F9D7276AEB5}" type="slidenum">
               <a:rPr lang="pt-BR" smtClean="0"/>
-              <a:t>15</a:t>
+              <a:t>14</a:t>
             </a:fld>
             <a:endParaRPr lang="pt-BR"/>
           </a:p>
@@ -7070,7 +7523,7 @@
     </p:spTree>
     <p:extLst>
       <p:ext uri="{BB962C8B-B14F-4D97-AF65-F5344CB8AC3E}">
-        <p14:creationId xmlns:p14="http://schemas.microsoft.com/office/powerpoint/2010/main" val="1991777809"/>
+        <p14:creationId xmlns:p14="http://schemas.microsoft.com/office/powerpoint/2010/main" val="4013000235"/>
       </p:ext>
     </p:extLst>
   </p:cSld>
@@ -7126,7 +7579,7 @@
           <a:p>
             <a:r>
               <a:rPr lang="pt-BR" dirty="0"/>
-              <a:t>Os polinômios vistos não são os únicos exemplos possíveis. Existem outros Polinômios de Bernstein que são combinações afins e geram curvas.</a:t>
+              <a:t>Mostrar que a equação forma uma curva olhando os resultados para t = 0 e t = 1</a:t>
             </a:r>
           </a:p>
         </p:txBody>
@@ -7148,7 +7601,7 @@
           <a:p>
             <a:fld id="{6E9A670B-A0C8-46B4-A2C3-0F9D7276AEB5}" type="slidenum">
               <a:rPr lang="pt-BR" smtClean="0"/>
-              <a:t>16</a:t>
+              <a:t>15</a:t>
             </a:fld>
             <a:endParaRPr lang="pt-BR"/>
           </a:p>
@@ -7157,7 +7610,7 @@
     </p:spTree>
     <p:extLst>
       <p:ext uri="{BB962C8B-B14F-4D97-AF65-F5344CB8AC3E}">
-        <p14:creationId xmlns:p14="http://schemas.microsoft.com/office/powerpoint/2010/main" val="4278423555"/>
+        <p14:creationId xmlns:p14="http://schemas.microsoft.com/office/powerpoint/2010/main" val="1991777809"/>
       </p:ext>
     </p:extLst>
   </p:cSld>
@@ -7213,6 +7666,93 @@
           <a:p>
             <a:r>
               <a:rPr lang="pt-BR" dirty="0"/>
+              <a:t>Os polinômios vistos não são os únicos exemplos possíveis. Existem outros Polinômios de Bernstein que são combinações afins e geram curvas.</a:t>
+            </a:r>
+          </a:p>
+        </p:txBody>
+      </p:sp>
+      <p:sp>
+        <p:nvSpPr>
+          <p:cNvPr id="4" name="Espaço Reservado para Número de Slide 3"/>
+          <p:cNvSpPr>
+            <a:spLocks noGrp="1"/>
+          </p:cNvSpPr>
+          <p:nvPr>
+            <p:ph type="sldNum" sz="quarter" idx="5"/>
+          </p:nvPr>
+        </p:nvSpPr>
+        <p:spPr/>
+        <p:txBody>
+          <a:bodyPr/>
+          <a:lstStyle/>
+          <a:p>
+            <a:fld id="{6E9A670B-A0C8-46B4-A2C3-0F9D7276AEB5}" type="slidenum">
+              <a:rPr lang="pt-BR" smtClean="0"/>
+              <a:t>16</a:t>
+            </a:fld>
+            <a:endParaRPr lang="pt-BR"/>
+          </a:p>
+        </p:txBody>
+      </p:sp>
+    </p:spTree>
+    <p:extLst>
+      <p:ext uri="{BB962C8B-B14F-4D97-AF65-F5344CB8AC3E}">
+        <p14:creationId xmlns:p14="http://schemas.microsoft.com/office/powerpoint/2010/main" val="4278423555"/>
+      </p:ext>
+    </p:extLst>
+  </p:cSld>
+  <p:clrMapOvr>
+    <a:masterClrMapping/>
+  </p:clrMapOvr>
+</p:notes>
+</file>
+
+<file path=ppt/notesSlides/notesSlide15.xml><?xml version="1.0" encoding="utf-8"?>
+<p:notes xmlns:a="http://schemas.openxmlformats.org/drawingml/2006/main" xmlns:r="http://schemas.openxmlformats.org/officeDocument/2006/relationships" xmlns:p="http://schemas.openxmlformats.org/presentationml/2006/main">
+  <p:cSld>
+    <p:spTree>
+      <p:nvGrpSpPr>
+        <p:cNvPr id="1" name=""/>
+        <p:cNvGrpSpPr/>
+        <p:nvPr/>
+      </p:nvGrpSpPr>
+      <p:grpSpPr>
+        <a:xfrm>
+          <a:off x="0" y="0"/>
+          <a:ext cx="0" cy="0"/>
+          <a:chOff x="0" y="0"/>
+          <a:chExt cx="0" cy="0"/>
+        </a:xfrm>
+      </p:grpSpPr>
+      <p:sp>
+        <p:nvSpPr>
+          <p:cNvPr id="2" name="Espaço Reservado para Imagem de Slide 1"/>
+          <p:cNvSpPr>
+            <a:spLocks noGrp="1" noRot="1" noChangeAspect="1"/>
+          </p:cNvSpPr>
+          <p:nvPr>
+            <p:ph type="sldImg"/>
+          </p:nvPr>
+        </p:nvSpPr>
+        <p:spPr/>
+      </p:sp>
+      <p:sp>
+        <p:nvSpPr>
+          <p:cNvPr id="3" name="Espaço Reservado para Anotações 2"/>
+          <p:cNvSpPr>
+            <a:spLocks noGrp="1"/>
+          </p:cNvSpPr>
+          <p:nvPr>
+            <p:ph type="body" idx="1"/>
+          </p:nvPr>
+        </p:nvSpPr>
+        <p:spPr/>
+        <p:txBody>
+          <a:bodyPr/>
+          <a:lstStyle/>
+          <a:p>
+            <a:r>
+              <a:rPr lang="pt-BR" dirty="0"/>
               <a:t>Até 1974, quando George Chaikin trouxe uma visão geométrica para o problema.</a:t>
             </a:r>
           </a:p>
@@ -7254,7 +7794,7 @@
 </p:notes>
 </file>
 
-<file path=ppt/notesSlides/notesSlide15.xml><?xml version="1.0" encoding="utf-8"?>
+<file path=ppt/notesSlides/notesSlide16.xml><?xml version="1.0" encoding="utf-8"?>
 <p:notes xmlns:a="http://schemas.openxmlformats.org/drawingml/2006/main" xmlns:r="http://schemas.openxmlformats.org/officeDocument/2006/relationships" xmlns:p="http://schemas.openxmlformats.org/presentationml/2006/main">
   <p:cSld>
     <p:spTree>
@@ -7387,7 +7927,23 @@
           <a:p>
             <a:r>
               <a:rPr lang="pt-BR" dirty="0"/>
-              <a:t>Triângulos são polígonos</a:t>
+              <a:t>A curva de </a:t>
+            </a:r>
+            <a:r>
+              <a:rPr lang="pt-BR" dirty="0" err="1"/>
+              <a:t>Hermite</a:t>
+            </a:r>
+            <a:r>
+              <a:rPr lang="pt-BR" dirty="0"/>
+              <a:t> (pronunciado </a:t>
+            </a:r>
+            <a:r>
+              <a:rPr lang="pt-BR" dirty="0" err="1"/>
+              <a:t>airMeet</a:t>
+            </a:r>
+            <a:r>
+              <a:rPr lang="pt-BR" dirty="0"/>
+              <a:t>) consegue unir dois pontos A e B, dados os vetores tangentes em cada um dos pontos.</a:t>
             </a:r>
           </a:p>
         </p:txBody>
@@ -7409,7 +7965,7 @@
           <a:p>
             <a:fld id="{6E9A670B-A0C8-46B4-A2C3-0F9D7276AEB5}" type="slidenum">
               <a:rPr lang="pt-BR" smtClean="0"/>
-              <a:t>3</a:t>
+              <a:t>2</a:t>
             </a:fld>
             <a:endParaRPr lang="pt-BR"/>
           </a:p>
@@ -7418,7 +7974,7 @@
     </p:spTree>
     <p:extLst>
       <p:ext uri="{BB962C8B-B14F-4D97-AF65-F5344CB8AC3E}">
-        <p14:creationId xmlns:p14="http://schemas.microsoft.com/office/powerpoint/2010/main" val="2601704267"/>
+        <p14:creationId xmlns:p14="http://schemas.microsoft.com/office/powerpoint/2010/main" val="27312599"/>
       </p:ext>
     </p:extLst>
   </p:cSld>
@@ -7474,7 +8030,7 @@
           <a:p>
             <a:r>
               <a:rPr lang="pt-BR" dirty="0"/>
-              <a:t>Uma solução para o problema de representar curvas em sistemas computacionais</a:t>
+              <a:t>Triângulos são polígonos</a:t>
             </a:r>
           </a:p>
         </p:txBody>
@@ -7496,7 +8052,7 @@
           <a:p>
             <a:fld id="{6E9A670B-A0C8-46B4-A2C3-0F9D7276AEB5}" type="slidenum">
               <a:rPr lang="pt-BR" smtClean="0"/>
-              <a:t>5</a:t>
+              <a:t>3</a:t>
             </a:fld>
             <a:endParaRPr lang="pt-BR"/>
           </a:p>
@@ -7505,7 +8061,7 @@
     </p:spTree>
     <p:extLst>
       <p:ext uri="{BB962C8B-B14F-4D97-AF65-F5344CB8AC3E}">
-        <p14:creationId xmlns:p14="http://schemas.microsoft.com/office/powerpoint/2010/main" val="2904981615"/>
+        <p14:creationId xmlns:p14="http://schemas.microsoft.com/office/powerpoint/2010/main" val="2601704267"/>
       </p:ext>
     </p:extLst>
   </p:cSld>
@@ -7561,15 +8117,7 @@
           <a:p>
             <a:r>
               <a:rPr lang="pt-BR" dirty="0"/>
-              <a:t>CAD = Computer </a:t>
-            </a:r>
-            <a:r>
-              <a:rPr lang="pt-BR" dirty="0" err="1"/>
-              <a:t>Aided</a:t>
-            </a:r>
-            <a:r>
-              <a:rPr lang="pt-BR" dirty="0"/>
-              <a:t> Design</a:t>
+              <a:t>Uma solução para o problema de representar curvas em sistemas computacionais</a:t>
             </a:r>
           </a:p>
         </p:txBody>
@@ -7591,7 +8139,7 @@
           <a:p>
             <a:fld id="{6E9A670B-A0C8-46B4-A2C3-0F9D7276AEB5}" type="slidenum">
               <a:rPr lang="pt-BR" smtClean="0"/>
-              <a:t>6</a:t>
+              <a:t>5</a:t>
             </a:fld>
             <a:endParaRPr lang="pt-BR"/>
           </a:p>
@@ -7600,7 +8148,7 @@
     </p:spTree>
     <p:extLst>
       <p:ext uri="{BB962C8B-B14F-4D97-AF65-F5344CB8AC3E}">
-        <p14:creationId xmlns:p14="http://schemas.microsoft.com/office/powerpoint/2010/main" val="2848634582"/>
+        <p14:creationId xmlns:p14="http://schemas.microsoft.com/office/powerpoint/2010/main" val="2904981615"/>
       </p:ext>
     </p:extLst>
   </p:cSld>
@@ -7656,29 +8204,15 @@
           <a:p>
             <a:r>
               <a:rPr lang="pt-BR" dirty="0"/>
-              <a:t>A grande descoberta de </a:t>
+              <a:t>CAD = Computer </a:t>
             </a:r>
             <a:r>
               <a:rPr lang="pt-BR" dirty="0" err="1"/>
-              <a:t>De</a:t>
+              <a:t>Aided</a:t>
             </a:r>
             <a:r>
               <a:rPr lang="pt-BR" dirty="0"/>
-              <a:t> Casteljau foi usar pontos de controle para representar as curvas.</a:t>
-            </a:r>
-          </a:p>
-          <a:p>
-            <a:r>
-              <a:rPr lang="pt-BR" dirty="0"/>
-              <a:t>Bernstein se pronuncia </a:t>
-            </a:r>
-            <a:r>
-              <a:rPr lang="pt-BR" dirty="0" err="1"/>
-              <a:t>Burnsteen</a:t>
-            </a:r>
-            <a:r>
-              <a:rPr lang="pt-BR" dirty="0"/>
-              <a:t>.</a:t>
+              <a:t> Design</a:t>
             </a:r>
           </a:p>
         </p:txBody>
@@ -7700,7 +8234,7 @@
           <a:p>
             <a:fld id="{6E9A670B-A0C8-46B4-A2C3-0F9D7276AEB5}" type="slidenum">
               <a:rPr lang="pt-BR" smtClean="0"/>
-              <a:t>7</a:t>
+              <a:t>6</a:t>
             </a:fld>
             <a:endParaRPr lang="pt-BR"/>
           </a:p>
@@ -7709,7 +8243,7 @@
     </p:spTree>
     <p:extLst>
       <p:ext uri="{BB962C8B-B14F-4D97-AF65-F5344CB8AC3E}">
-        <p14:creationId xmlns:p14="http://schemas.microsoft.com/office/powerpoint/2010/main" val="636927511"/>
+        <p14:creationId xmlns:p14="http://schemas.microsoft.com/office/powerpoint/2010/main" val="2848634582"/>
       </p:ext>
     </p:extLst>
   </p:cSld>
@@ -7765,7 +8299,7 @@
           <a:p>
             <a:r>
               <a:rPr lang="pt-BR" dirty="0"/>
-              <a:t>Os resultados do trabalho de </a:t>
+              <a:t>A grande descoberta de </a:t>
             </a:r>
             <a:r>
               <a:rPr lang="pt-BR" dirty="0" err="1"/>
@@ -7773,7 +8307,21 @@
             </a:r>
             <a:r>
               <a:rPr lang="pt-BR" dirty="0"/>
-              <a:t> Casteljau foram mantidos apenas em relatórios internos da Citroën, e somente depois se descobriu que ele na verdade tinha inventado as Curvas Bézier antes de Pierre Bézier.</a:t>
+              <a:t> Casteljau foi usar pontos de controle para representar as curvas.</a:t>
+            </a:r>
+          </a:p>
+          <a:p>
+            <a:r>
+              <a:rPr lang="pt-BR" dirty="0"/>
+              <a:t>Bernstein se pronuncia </a:t>
+            </a:r>
+            <a:r>
+              <a:rPr lang="pt-BR" dirty="0" err="1"/>
+              <a:t>Burnsteen</a:t>
+            </a:r>
+            <a:r>
+              <a:rPr lang="pt-BR" dirty="0"/>
+              <a:t>.</a:t>
             </a:r>
           </a:p>
         </p:txBody>
@@ -7795,7 +8343,7 @@
           <a:p>
             <a:fld id="{6E9A670B-A0C8-46B4-A2C3-0F9D7276AEB5}" type="slidenum">
               <a:rPr lang="pt-BR" smtClean="0"/>
-              <a:t>8</a:t>
+              <a:t>7</a:t>
             </a:fld>
             <a:endParaRPr lang="pt-BR"/>
           </a:p>
@@ -7804,7 +8352,7 @@
     </p:spTree>
     <p:extLst>
       <p:ext uri="{BB962C8B-B14F-4D97-AF65-F5344CB8AC3E}">
-        <p14:creationId xmlns:p14="http://schemas.microsoft.com/office/powerpoint/2010/main" val="2425193828"/>
+        <p14:creationId xmlns:p14="http://schemas.microsoft.com/office/powerpoint/2010/main" val="636927511"/>
       </p:ext>
     </p:extLst>
   </p:cSld>
@@ -7860,7 +8408,15 @@
           <a:p>
             <a:r>
               <a:rPr lang="pt-BR" dirty="0"/>
-              <a:t>Um espaço vetorial é um conjunto de vetores que, ao serem somados ou multiplicados por um escalar, produzem um outro vetor dentro desse espaço, ou seja, que obedece a estas mesmas regras. Além disso existem algumas regras para que tudo faça sentido: distributividade, associatividade, comutatividade, multiplicação por zero e por 1, etc.</a:t>
+              <a:t>Os resultados do trabalho de </a:t>
+            </a:r>
+            <a:r>
+              <a:rPr lang="pt-BR" dirty="0" err="1"/>
+              <a:t>De</a:t>
+            </a:r>
+            <a:r>
+              <a:rPr lang="pt-BR" dirty="0"/>
+              <a:t> Casteljau foram mantidos apenas em relatórios internos da Citroën, e somente depois se descobriu que ele na verdade tinha inventado as Curvas Bézier antes de Pierre Bézier.</a:t>
             </a:r>
           </a:p>
         </p:txBody>
@@ -7882,7 +8438,7 @@
           <a:p>
             <a:fld id="{6E9A670B-A0C8-46B4-A2C3-0F9D7276AEB5}" type="slidenum">
               <a:rPr lang="pt-BR" smtClean="0"/>
-              <a:t>9</a:t>
+              <a:t>8</a:t>
             </a:fld>
             <a:endParaRPr lang="pt-BR"/>
           </a:p>
@@ -7891,7 +8447,7 @@
     </p:spTree>
     <p:extLst>
       <p:ext uri="{BB962C8B-B14F-4D97-AF65-F5344CB8AC3E}">
-        <p14:creationId xmlns:p14="http://schemas.microsoft.com/office/powerpoint/2010/main" val="2423533779"/>
+        <p14:creationId xmlns:p14="http://schemas.microsoft.com/office/powerpoint/2010/main" val="2425193828"/>
       </p:ext>
     </p:extLst>
   </p:cSld>
@@ -7947,7 +8503,7 @@
           <a:p>
             <a:r>
               <a:rPr lang="pt-BR" dirty="0"/>
-              <a:t>Direção para uma nave que está em movimento, direção para uma câmera ou mesmo para os eixos que representam um sistema de coordenadas.</a:t>
+              <a:t>Um espaço vetorial é um conjunto de vetores que, ao serem somados ou multiplicados por um escalar, produzem um outro vetor dentro desse espaço, ou seja, que obedece a estas mesmas regras. Além disso existem algumas regras para que tudo faça sentido: distributividade, associatividade, comutatividade, multiplicação por zero e por 1, etc.</a:t>
             </a:r>
           </a:p>
         </p:txBody>
@@ -7969,7 +8525,7 @@
           <a:p>
             <a:fld id="{6E9A670B-A0C8-46B4-A2C3-0F9D7276AEB5}" type="slidenum">
               <a:rPr lang="pt-BR" smtClean="0"/>
-              <a:t>10</a:t>
+              <a:t>9</a:t>
             </a:fld>
             <a:endParaRPr lang="pt-BR"/>
           </a:p>
@@ -7978,7 +8534,7 @@
     </p:spTree>
     <p:extLst>
       <p:ext uri="{BB962C8B-B14F-4D97-AF65-F5344CB8AC3E}">
-        <p14:creationId xmlns:p14="http://schemas.microsoft.com/office/powerpoint/2010/main" val="3153362798"/>
+        <p14:creationId xmlns:p14="http://schemas.microsoft.com/office/powerpoint/2010/main" val="2423533779"/>
       </p:ext>
     </p:extLst>
   </p:cSld>
@@ -8034,7 +8590,7 @@
           <a:p>
             <a:r>
               <a:rPr lang="pt-BR" dirty="0"/>
-              <a:t>Adicionar um vetor a um ponto resulta em outro ponto.</a:t>
+              <a:t>Direção para uma nave que está em movimento, direção para uma câmera ou mesmo para os eixos que representam um sistema de coordenadas.</a:t>
             </a:r>
           </a:p>
         </p:txBody>
@@ -8056,7 +8612,7 @@
           <a:p>
             <a:fld id="{6E9A670B-A0C8-46B4-A2C3-0F9D7276AEB5}" type="slidenum">
               <a:rPr lang="pt-BR" smtClean="0"/>
-              <a:t>12</a:t>
+              <a:t>10</a:t>
             </a:fld>
             <a:endParaRPr lang="pt-BR"/>
           </a:p>
@@ -8065,7 +8621,7 @@
     </p:spTree>
     <p:extLst>
       <p:ext uri="{BB962C8B-B14F-4D97-AF65-F5344CB8AC3E}">
-        <p14:creationId xmlns:p14="http://schemas.microsoft.com/office/powerpoint/2010/main" val="1081223508"/>
+        <p14:creationId xmlns:p14="http://schemas.microsoft.com/office/powerpoint/2010/main" val="3153362798"/>
       </p:ext>
     </p:extLst>
   </p:cSld>
@@ -8094,10 +8650,10 @@
       </p:grpSpPr>
       <p:pic>
         <p:nvPicPr>
-          <p:cNvPr id="8" name="Picture 7" descr="C3-HD-BTM.png">
+          <p:cNvPr id="7" name="Picture 7" descr="C3-HD-BTM.png">
             <a:extLst>
               <a:ext uri="{FF2B5EF4-FFF2-40B4-BE49-F238E27FC236}">
-                <a16:creationId xmlns:a16="http://schemas.microsoft.com/office/drawing/2014/main" id="{BEF47DFF-3CB1-4321-94ED-FC3D04CCEE5C}"/>
+                <a16:creationId xmlns:a16="http://schemas.microsoft.com/office/drawing/2014/main" id="{2639B27D-BAAC-4F2F-8776-8AD708278688}"/>
               </a:ext>
             </a:extLst>
           </p:cNvPr>
@@ -8106,7 +8662,7 @@
           </p:cNvPicPr>
           <p:nvPr userDrawn="1"/>
         </p:nvPicPr>
-        <p:blipFill>
+        <p:blipFill rotWithShape="1">
           <a:blip r:embed="rId2">
             <a:extLst>
               <a:ext uri="{28A0092B-C50C-407E-A947-70E740481C1C}">
@@ -8114,14 +8670,13 @@
               </a:ext>
             </a:extLst>
           </a:blip>
-          <a:stretch>
-            <a:fillRect/>
-          </a:stretch>
+          <a:srcRect b="30690"/>
+          <a:stretch/>
         </p:blipFill>
         <p:spPr>
           <a:xfrm flipH="1">
-            <a:off x="0" y="4375150"/>
-            <a:ext cx="12192000" cy="2482850"/>
+            <a:off x="0" y="5137145"/>
+            <a:ext cx="12192000" cy="1720855"/>
           </a:xfrm>
           <a:prstGeom prst="rect">
             <a:avLst/>
@@ -8130,10 +8685,10 @@
       </p:pic>
       <p:sp>
         <p:nvSpPr>
-          <p:cNvPr id="6" name="CaixaDeTexto 5">
+          <p:cNvPr id="9" name="CaixaDeTexto 8">
             <a:extLst>
               <a:ext uri="{FF2B5EF4-FFF2-40B4-BE49-F238E27FC236}">
-                <a16:creationId xmlns:a16="http://schemas.microsoft.com/office/drawing/2014/main" id="{7218E033-A411-480D-97C3-053441EBA70B}"/>
+                <a16:creationId xmlns:a16="http://schemas.microsoft.com/office/drawing/2014/main" id="{1DA09602-B9DB-40B3-B1BB-8DE249F90C8E}"/>
               </a:ext>
             </a:extLst>
           </p:cNvPr>
@@ -8141,8 +8696,8 @@
           <p:nvPr userDrawn="1"/>
         </p:nvSpPr>
         <p:spPr>
-          <a:xfrm rot="21049634">
-            <a:off x="2638907" y="5550249"/>
+          <a:xfrm rot="20929160">
+            <a:off x="2275494" y="6359145"/>
             <a:ext cx="2315413" cy="276999"/>
           </a:xfrm>
           <a:prstGeom prst="rect">
@@ -8163,7 +8718,7 @@
           <a:lstStyle/>
           <a:p>
             <a:r>
-              <a:rPr lang="pt-BR" sz="1200" dirty="0">
+              <a:rPr lang="pt-BR" sz="1400" b="1">
                 <a:ln w="0"/>
                 <a:solidFill>
                   <a:schemeClr val="accent1"/>
@@ -8178,7 +8733,7 @@
               </a:rPr>
               <a:t> Judson Santos Santiago</a:t>
             </a:r>
-            <a:endParaRPr lang="pt-BR" sz="1100" i="0" baseline="0" dirty="0">
+            <a:endParaRPr lang="pt-BR" sz="1200" b="1" i="0" baseline="0">
               <a:ln w="0"/>
               <a:solidFill>
                 <a:schemeClr val="accent1"/>
@@ -8219,11 +8774,11 @@
         </p:spPr>
         <p:txBody>
           <a:bodyPr anchor="t" anchorCtr="0">
-            <a:normAutofit/>
+            <a:noAutofit/>
           </a:bodyPr>
           <a:lstStyle>
             <a:lvl1pPr algn="l">
-              <a:defRPr sz="6000"/>
+              <a:defRPr sz="6600"/>
             </a:lvl1pPr>
           </a:lstStyle>
           <a:p>
@@ -8250,7 +8805,7 @@
         <p:spPr>
           <a:xfrm>
             <a:off x="1185168" y="1835375"/>
-            <a:ext cx="3934090" cy="523220"/>
+            <a:ext cx="5003293" cy="646331"/>
           </a:xfrm>
           <a:prstGeom prst="rect">
             <a:avLst/>
@@ -8266,14 +8821,14 @@
           <a:lstStyle/>
           <a:p>
             <a:r>
-              <a:rPr lang="pt-BR" sz="2800" b="1" i="0" dirty="0">
+              <a:rPr lang="pt-BR" sz="3600" b="1" i="0" dirty="0">
                 <a:solidFill>
                   <a:schemeClr val="tx2"/>
                 </a:solidFill>
               </a:rPr>
               <a:t>Computação Gráfica</a:t>
             </a:r>
-            <a:endParaRPr lang="en-US" sz="2800" b="1" i="0" dirty="0">
+            <a:endParaRPr lang="en-US" sz="3600" b="1" i="0" dirty="0">
               <a:solidFill>
                 <a:schemeClr val="tx2"/>
               </a:solidFill>
@@ -8490,7 +9045,7 @@
           <a:p>
             <a:fld id="{48A87A34-81AB-432B-8DAE-1953F412C126}" type="datetimeFigureOut">
               <a:rPr lang="en-US" smtClean="0"/>
-              <a:t>9/10/2020</a:t>
+              <a:t>8/18/2021</a:t>
             </a:fld>
             <a:endParaRPr lang="en-US" dirty="0"/>
           </a:p>
@@ -8728,7 +9283,7 @@
             <a:fld id="{48A87A34-81AB-432B-8DAE-1953F412C126}" type="datetimeFigureOut">
               <a:rPr lang="en-US" smtClean="0"/>
               <a:pPr/>
-              <a:t>9/10/2020</a:t>
+              <a:t>8/18/2021</a:t>
             </a:fld>
             <a:endParaRPr lang="en-US" dirty="0"/>
           </a:p>
@@ -9045,7 +9600,7 @@
             <a:fld id="{48A87A34-81AB-432B-8DAE-1953F412C126}" type="datetimeFigureOut">
               <a:rPr lang="en-US" smtClean="0"/>
               <a:pPr/>
-              <a:t>9/10/2020</a:t>
+              <a:t>8/18/2021</a:t>
             </a:fld>
             <a:endParaRPr lang="en-US" dirty="0"/>
           </a:p>
@@ -9525,7 +10080,7 @@
             <a:fld id="{48A87A34-81AB-432B-8DAE-1953F412C126}" type="datetimeFigureOut">
               <a:rPr lang="en-US" smtClean="0"/>
               <a:pPr/>
-              <a:t>9/10/2020</a:t>
+              <a:t>8/18/2021</a:t>
             </a:fld>
             <a:endParaRPr lang="en-US" dirty="0"/>
           </a:p>
@@ -10077,7 +10632,7 @@
           <a:p>
             <a:fld id="{48A87A34-81AB-432B-8DAE-1953F412C126}" type="datetimeFigureOut">
               <a:rPr lang="en-US" smtClean="0"/>
-              <a:t>9/10/2020</a:t>
+              <a:t>8/18/2021</a:t>
             </a:fld>
             <a:endParaRPr lang="en-US" dirty="0"/>
           </a:p>
@@ -10866,7 +11421,7 @@
           <a:p>
             <a:fld id="{48A87A34-81AB-432B-8DAE-1953F412C126}" type="datetimeFigureOut">
               <a:rPr lang="en-US" smtClean="0"/>
-              <a:t>9/10/2020</a:t>
+              <a:t>8/18/2021</a:t>
             </a:fld>
             <a:endParaRPr lang="en-US" dirty="0"/>
           </a:p>
@@ -11061,7 +11616,7 @@
           <a:p>
             <a:fld id="{48A87A34-81AB-432B-8DAE-1953F412C126}" type="datetimeFigureOut">
               <a:rPr lang="en-US" smtClean="0"/>
-              <a:t>9/10/2020</a:t>
+              <a:t>8/18/2021</a:t>
             </a:fld>
             <a:endParaRPr lang="en-US" dirty="0"/>
           </a:p>
@@ -11301,7 +11856,7 @@
             <a:fld id="{48A87A34-81AB-432B-8DAE-1953F412C126}" type="datetimeFigureOut">
               <a:rPr lang="en-US" smtClean="0"/>
               <a:pPr/>
-              <a:t>9/10/2020</a:t>
+              <a:t>8/18/2021</a:t>
             </a:fld>
             <a:endParaRPr lang="en-US" dirty="0"/>
           </a:p>
@@ -11543,7 +12098,7 @@
           <a:p>
             <a:fld id="{48A87A34-81AB-432B-8DAE-1953F412C126}" type="datetimeFigureOut">
               <a:rPr lang="en-US" smtClean="0"/>
-              <a:t>9/10/2020</a:t>
+              <a:t>8/18/2021</a:t>
             </a:fld>
             <a:endParaRPr lang="en-US" dirty="0"/>
           </a:p>
@@ -11849,7 +12404,7 @@
             <a:fld id="{48A87A34-81AB-432B-8DAE-1953F412C126}" type="datetimeFigureOut">
               <a:rPr lang="en-US" smtClean="0"/>
               <a:pPr/>
-              <a:t>9/10/2020</a:t>
+              <a:t>8/18/2021</a:t>
             </a:fld>
             <a:endParaRPr lang="en-US" dirty="0"/>
           </a:p>
@@ -12105,7 +12660,7 @@
           <a:p>
             <a:fld id="{48A87A34-81AB-432B-8DAE-1953F412C126}" type="datetimeFigureOut">
               <a:rPr lang="en-US" smtClean="0"/>
-              <a:t>9/10/2020</a:t>
+              <a:t>8/18/2021</a:t>
             </a:fld>
             <a:endParaRPr lang="en-US" dirty="0"/>
           </a:p>
@@ -12503,7 +13058,7 @@
           <a:p>
             <a:fld id="{48A87A34-81AB-432B-8DAE-1953F412C126}" type="datetimeFigureOut">
               <a:rPr lang="en-US" smtClean="0"/>
-              <a:t>9/10/2020</a:t>
+              <a:t>8/18/2021</a:t>
             </a:fld>
             <a:endParaRPr lang="en-US" dirty="0"/>
           </a:p>
@@ -12641,7 +13196,7 @@
           <a:p>
             <a:fld id="{48A87A34-81AB-432B-8DAE-1953F412C126}" type="datetimeFigureOut">
               <a:rPr lang="en-US" smtClean="0"/>
-              <a:t>9/10/2020</a:t>
+              <a:t>8/18/2021</a:t>
             </a:fld>
             <a:endParaRPr lang="en-US" dirty="0"/>
           </a:p>
@@ -12746,7 +13301,7 @@
           <a:p>
             <a:fld id="{48A87A34-81AB-432B-8DAE-1953F412C126}" type="datetimeFigureOut">
               <a:rPr lang="en-US" smtClean="0"/>
-              <a:t>9/10/2020</a:t>
+              <a:t>8/18/2021</a:t>
             </a:fld>
             <a:endParaRPr lang="en-US" dirty="0"/>
           </a:p>
@@ -12995,7 +13550,7 @@
           <a:p>
             <a:fld id="{48A87A34-81AB-432B-8DAE-1953F412C126}" type="datetimeFigureOut">
               <a:rPr lang="en-US" smtClean="0"/>
-              <a:t>9/10/2020</a:t>
+              <a:t>8/18/2021</a:t>
             </a:fld>
             <a:endParaRPr lang="en-US" dirty="0"/>
           </a:p>
@@ -13252,7 +13807,7 @@
           <a:p>
             <a:fld id="{48A87A34-81AB-432B-8DAE-1953F412C126}" type="datetimeFigureOut">
               <a:rPr lang="en-US" smtClean="0"/>
-              <a:t>9/10/2020</a:t>
+              <a:t>8/18/2021</a:t>
             </a:fld>
             <a:endParaRPr lang="en-US" dirty="0"/>
           </a:p>
@@ -13502,7 +14057,7 @@
             <a:fld id="{48A87A34-81AB-432B-8DAE-1953F412C126}" type="datetimeFigureOut">
               <a:rPr lang="en-US" smtClean="0"/>
               <a:pPr/>
-              <a:t>9/10/2020</a:t>
+              <a:t>8/18/2021</a:t>
             </a:fld>
             <a:endParaRPr lang="en-US" dirty="0"/>
           </a:p>
@@ -13930,13 +14485,20 @@
             <p:ph type="ctrTitle"/>
           </p:nvPr>
         </p:nvSpPr>
-        <p:spPr/>
+        <p:spPr>
+          <a:xfrm>
+            <a:off x="1185168" y="2729616"/>
+            <a:ext cx="9448800" cy="1825096"/>
+          </a:xfrm>
+        </p:spPr>
         <p:txBody>
-          <a:bodyPr/>
+          <a:bodyPr>
+            <a:normAutofit/>
+          </a:bodyPr>
           <a:lstStyle/>
           <a:p>
             <a:r>
-              <a:rPr lang="pt-BR" dirty="0"/>
+              <a:rPr lang="pt-BR" sz="6600" dirty="0"/>
               <a:t>Curvas no Plano</a:t>
             </a:r>
           </a:p>
@@ -15270,6 +15832,18 @@
   <p:clrMapOvr>
     <a:masterClrMapping/>
   </p:clrMapOvr>
+  <mc:AlternateContent xmlns:mc="http://schemas.openxmlformats.org/markup-compatibility/2006" xmlns:p15="http://schemas.microsoft.com/office/powerpoint/2012/main">
+    <mc:Choice Requires="p15">
+      <p:transition xmlns:p14="http://schemas.microsoft.com/office/powerpoint/2010/main" spd="slow" p14:dur="1250">
+        <p15:prstTrans prst="pageCurlDouble"/>
+      </p:transition>
+    </mc:Choice>
+    <mc:Fallback xmlns="">
+      <p:transition spd="slow">
+        <p:fade/>
+      </p:transition>
+    </mc:Fallback>
+  </mc:AlternateContent>
 </p:sld>
 </file>
 
@@ -16333,6 +16907,18 @@
   <p:clrMapOvr>
     <a:masterClrMapping/>
   </p:clrMapOvr>
+  <mc:AlternateContent xmlns:mc="http://schemas.openxmlformats.org/markup-compatibility/2006" xmlns:p15="http://schemas.microsoft.com/office/powerpoint/2012/main">
+    <mc:Choice Requires="p15">
+      <p:transition xmlns:p14="http://schemas.microsoft.com/office/powerpoint/2010/main" spd="slow" p14:dur="1250">
+        <p15:prstTrans prst="pageCurlDouble"/>
+      </p:transition>
+    </mc:Choice>
+    <mc:Fallback xmlns="">
+      <p:transition spd="slow">
+        <p:fade/>
+      </p:transition>
+    </mc:Fallback>
+  </mc:AlternateContent>
 </p:sld>
 </file>
 
@@ -17696,10 +18282,10 @@
         </p:nvGrpSpPr>
         <p:grpSpPr>
           <a:xfrm>
-            <a:off x="7810840" y="3615694"/>
-            <a:ext cx="2215671" cy="2031325"/>
-            <a:chOff x="7850300" y="4031674"/>
-            <a:chExt cx="2215671" cy="2031325"/>
+            <a:off x="7845100" y="3892693"/>
+            <a:ext cx="2215671" cy="1754326"/>
+            <a:chOff x="7884560" y="4120397"/>
+            <a:chExt cx="2215671" cy="1754326"/>
           </a:xfrm>
         </p:grpSpPr>
         <p:sp>
@@ -17716,8 +18302,8 @@
           </p:nvSpPr>
           <p:spPr>
             <a:xfrm>
-              <a:off x="7850300" y="4031674"/>
-              <a:ext cx="2215671" cy="2031325"/>
+              <a:off x="7884560" y="4120397"/>
+              <a:ext cx="2215671" cy="1754326"/>
             </a:xfrm>
             <a:prstGeom prst="rect">
               <a:avLst/>
@@ -17779,8 +18365,6 @@
                 </a:rPr>
                 <a:t>)</a:t>
               </a:r>
-            </a:p>
-            <a:p>
               <a:endParaRPr lang="pt-BR" dirty="0"/>
             </a:p>
             <a:p>
@@ -17854,7 +18438,7 @@
           </p:nvSpPr>
           <p:spPr>
             <a:xfrm rot="16200000">
-              <a:off x="8860691" y="4190383"/>
+              <a:off x="8901402" y="4254501"/>
               <a:ext cx="136046" cy="589472"/>
             </a:xfrm>
             <a:prstGeom prst="leftBrace">
@@ -17903,9 +18487,9 @@
           </p:nvGrpSpPr>
           <p:grpSpPr>
             <a:xfrm>
-              <a:off x="8772261" y="4607762"/>
+              <a:off x="8817366" y="4633481"/>
               <a:ext cx="312906" cy="369332"/>
-              <a:chOff x="1498242" y="4297251"/>
+              <a:chOff x="1543347" y="4322970"/>
               <a:chExt cx="312906" cy="369332"/>
             </a:xfrm>
           </p:grpSpPr>
@@ -17923,7 +18507,7 @@
             </p:nvSpPr>
             <p:spPr>
               <a:xfrm>
-                <a:off x="1498242" y="4297251"/>
+                <a:off x="1543347" y="4322970"/>
                 <a:ext cx="312906" cy="369332"/>
               </a:xfrm>
               <a:prstGeom prst="rect">
@@ -17963,7 +18547,7 @@
             </p:nvCxnSpPr>
             <p:spPr>
               <a:xfrm>
-                <a:off x="1581525" y="4365857"/>
+                <a:off x="1626630" y="4391576"/>
                 <a:ext cx="162155" cy="0"/>
               </a:xfrm>
               <a:prstGeom prst="straightConnector1">
@@ -18126,6 +18710,129 @@
           </p:style>
         </p:cxnSp>
       </p:grpSp>
+      <p:cxnSp>
+        <p:nvCxnSpPr>
+          <p:cNvPr id="47" name="Conector de Seta Reta 46">
+            <a:extLst>
+              <a:ext uri="{FF2B5EF4-FFF2-40B4-BE49-F238E27FC236}">
+                <a16:creationId xmlns:a16="http://schemas.microsoft.com/office/drawing/2014/main" id="{4B4B7312-27F3-4647-A167-81F3E06F0A60}"/>
+              </a:ext>
+            </a:extLst>
+          </p:cNvPr>
+          <p:cNvCxnSpPr>
+            <a:cxnSpLocks/>
+          </p:cNvCxnSpPr>
+          <p:nvPr/>
+        </p:nvCxnSpPr>
+        <p:spPr>
+          <a:xfrm flipV="1">
+            <a:off x="8198741" y="3478848"/>
+            <a:ext cx="1911637" cy="1"/>
+          </a:xfrm>
+          <a:prstGeom prst="straightConnector1">
+            <a:avLst/>
+          </a:prstGeom>
+          <a:ln>
+            <a:tailEnd type="triangle"/>
+          </a:ln>
+        </p:spPr>
+        <p:style>
+          <a:lnRef idx="1">
+            <a:schemeClr val="accent1"/>
+          </a:lnRef>
+          <a:fillRef idx="0">
+            <a:schemeClr val="accent1"/>
+          </a:fillRef>
+          <a:effectRef idx="0">
+            <a:schemeClr val="accent1"/>
+          </a:effectRef>
+          <a:fontRef idx="minor">
+            <a:schemeClr val="tx1"/>
+          </a:fontRef>
+        </p:style>
+      </p:cxnSp>
+      <p:sp>
+        <p:nvSpPr>
+          <p:cNvPr id="50" name="CaixaDeTexto 49">
+            <a:extLst>
+              <a:ext uri="{FF2B5EF4-FFF2-40B4-BE49-F238E27FC236}">
+                <a16:creationId xmlns:a16="http://schemas.microsoft.com/office/drawing/2014/main" id="{39BA6B87-6950-44AA-A0D5-51C98FC3F21E}"/>
+              </a:ext>
+            </a:extLst>
+          </p:cNvPr>
+          <p:cNvSpPr txBox="1"/>
+          <p:nvPr/>
+        </p:nvSpPr>
+        <p:spPr>
+          <a:xfrm>
+            <a:off x="7808825" y="3293604"/>
+            <a:ext cx="312906" cy="369332"/>
+          </a:xfrm>
+          <a:prstGeom prst="rect">
+            <a:avLst/>
+          </a:prstGeom>
+          <a:noFill/>
+        </p:spPr>
+        <p:txBody>
+          <a:bodyPr wrap="none" rtlCol="0">
+            <a:spAutoFit/>
+          </a:bodyPr>
+          <a:lstStyle/>
+          <a:p>
+            <a:r>
+              <a:rPr lang="pt-BR" dirty="0">
+                <a:latin typeface="Cambria Math" panose="02040503050406030204" pitchFamily="18" charset="0"/>
+                <a:ea typeface="Cambria Math" panose="02040503050406030204" pitchFamily="18" charset="0"/>
+              </a:rPr>
+              <a:t>v</a:t>
+            </a:r>
+          </a:p>
+        </p:txBody>
+      </p:sp>
+      <p:cxnSp>
+        <p:nvCxnSpPr>
+          <p:cNvPr id="55" name="Conector de Seta Reta 54">
+            <a:extLst>
+              <a:ext uri="{FF2B5EF4-FFF2-40B4-BE49-F238E27FC236}">
+                <a16:creationId xmlns:a16="http://schemas.microsoft.com/office/drawing/2014/main" id="{8378D208-56A9-42AB-8CE3-B8B3CD5AEE06}"/>
+              </a:ext>
+            </a:extLst>
+          </p:cNvPr>
+          <p:cNvCxnSpPr>
+            <a:cxnSpLocks/>
+          </p:cNvCxnSpPr>
+          <p:nvPr/>
+        </p:nvCxnSpPr>
+        <p:spPr>
+          <a:xfrm>
+            <a:off x="7892108" y="3362210"/>
+            <a:ext cx="162155" cy="0"/>
+          </a:xfrm>
+          <a:prstGeom prst="straightConnector1">
+            <a:avLst/>
+          </a:prstGeom>
+          <a:ln>
+            <a:solidFill>
+              <a:schemeClr val="tx1"/>
+            </a:solidFill>
+            <a:tailEnd type="triangle" w="sm" len="sm"/>
+          </a:ln>
+        </p:spPr>
+        <p:style>
+          <a:lnRef idx="1">
+            <a:schemeClr val="accent1"/>
+          </a:lnRef>
+          <a:fillRef idx="0">
+            <a:schemeClr val="accent1"/>
+          </a:fillRef>
+          <a:effectRef idx="0">
+            <a:schemeClr val="accent1"/>
+          </a:effectRef>
+          <a:fontRef idx="minor">
+            <a:schemeClr val="tx1"/>
+          </a:fontRef>
+        </p:style>
+      </p:cxnSp>
     </p:spTree>
     <p:extLst>
       <p:ext uri="{BB962C8B-B14F-4D97-AF65-F5344CB8AC3E}">
@@ -18136,6 +18843,18 @@
   <p:clrMapOvr>
     <a:masterClrMapping/>
   </p:clrMapOvr>
+  <mc:AlternateContent xmlns:mc="http://schemas.openxmlformats.org/markup-compatibility/2006" xmlns:p15="http://schemas.microsoft.com/office/powerpoint/2012/main">
+    <mc:Choice Requires="p15">
+      <p:transition xmlns:p14="http://schemas.microsoft.com/office/powerpoint/2010/main" spd="slow" p14:dur="1250">
+        <p15:prstTrans prst="pageCurlDouble"/>
+      </p:transition>
+    </mc:Choice>
+    <mc:Fallback xmlns="">
+      <p:transition spd="slow">
+        <p:fade/>
+      </p:transition>
+    </mc:Fallback>
+  </mc:AlternateContent>
 </p:sld>
 </file>
 
@@ -19337,7 +20056,7 @@
         </p:nvSpPr>
         <p:spPr>
           <a:xfrm>
-            <a:off x="4779374" y="4639502"/>
+            <a:off x="4779374" y="4653469"/>
             <a:ext cx="2142184" cy="923330"/>
           </a:xfrm>
           <a:prstGeom prst="rect">
@@ -19396,6 +20115,18 @@
   <p:clrMapOvr>
     <a:masterClrMapping/>
   </p:clrMapOvr>
+  <mc:AlternateContent xmlns:mc="http://schemas.openxmlformats.org/markup-compatibility/2006" xmlns:p15="http://schemas.microsoft.com/office/powerpoint/2012/main">
+    <mc:Choice Requires="p15">
+      <p:transition xmlns:p14="http://schemas.microsoft.com/office/powerpoint/2010/main" spd="slow" p14:dur="1250">
+        <p15:prstTrans prst="pageCurlDouble"/>
+      </p:transition>
+    </mc:Choice>
+    <mc:Fallback xmlns="">
+      <p:transition spd="slow">
+        <p:fade/>
+      </p:transition>
+    </mc:Fallback>
+  </mc:AlternateContent>
 </p:sld>
 </file>
 
@@ -22070,6 +22801,18 @@
   <p:clrMapOvr>
     <a:masterClrMapping/>
   </p:clrMapOvr>
+  <mc:AlternateContent xmlns:mc="http://schemas.openxmlformats.org/markup-compatibility/2006" xmlns:p15="http://schemas.microsoft.com/office/powerpoint/2012/main">
+    <mc:Choice Requires="p15">
+      <p:transition xmlns:p14="http://schemas.microsoft.com/office/powerpoint/2010/main" spd="slow" p14:dur="1250">
+        <p15:prstTrans prst="pageCurlDouble"/>
+      </p:transition>
+    </mc:Choice>
+    <mc:Fallback xmlns="">
+      <p:transition spd="slow">
+        <p:fade/>
+      </p:transition>
+    </mc:Fallback>
+  </mc:AlternateContent>
 </p:sld>
 </file>
 
@@ -23315,6 +24058,18 @@
   <p:clrMapOvr>
     <a:masterClrMapping/>
   </p:clrMapOvr>
+  <mc:AlternateContent xmlns:mc="http://schemas.openxmlformats.org/markup-compatibility/2006" xmlns:p15="http://schemas.microsoft.com/office/powerpoint/2012/main">
+    <mc:Choice Requires="p15">
+      <p:transition xmlns:p14="http://schemas.microsoft.com/office/powerpoint/2010/main" spd="slow" p14:dur="1250">
+        <p15:prstTrans prst="pageCurlDouble"/>
+      </p:transition>
+    </mc:Choice>
+    <mc:Fallback xmlns="">
+      <p:transition spd="slow">
+        <p:fade/>
+      </p:transition>
+    </mc:Fallback>
+  </mc:AlternateContent>
   <p:timing>
     <p:tnLst>
       <p:par>
@@ -24937,6 +25692,18 @@
   <p:clrMapOvr>
     <a:masterClrMapping/>
   </p:clrMapOvr>
+  <mc:AlternateContent xmlns:mc="http://schemas.openxmlformats.org/markup-compatibility/2006" xmlns:p15="http://schemas.microsoft.com/office/powerpoint/2012/main">
+    <mc:Choice Requires="p15">
+      <p:transition xmlns:p14="http://schemas.microsoft.com/office/powerpoint/2010/main" spd="slow" p14:dur="1250">
+        <p15:prstTrans prst="pageCurlDouble"/>
+      </p:transition>
+    </mc:Choice>
+    <mc:Fallback xmlns="">
+      <p:transition spd="slow">
+        <p:fade/>
+      </p:transition>
+    </mc:Fallback>
+  </mc:AlternateContent>
 </p:sld>
 </file>
 
@@ -29850,6 +30617,18 @@
   <p:clrMapOvr>
     <a:masterClrMapping/>
   </p:clrMapOvr>
+  <mc:AlternateContent xmlns:mc="http://schemas.openxmlformats.org/markup-compatibility/2006" xmlns:p15="http://schemas.microsoft.com/office/powerpoint/2012/main">
+    <mc:Choice Requires="p15">
+      <p:transition xmlns:p14="http://schemas.microsoft.com/office/powerpoint/2010/main" spd="slow" p14:dur="1250">
+        <p15:prstTrans prst="pageCurlDouble"/>
+      </p:transition>
+    </mc:Choice>
+    <mc:Fallback xmlns="">
+      <p:transition spd="slow">
+        <p:fade/>
+      </p:transition>
+    </mc:Fallback>
+  </mc:AlternateContent>
 </p:sld>
 </file>
 
@@ -30102,6 +30881,18 @@
   <p:clrMapOvr>
     <a:masterClrMapping/>
   </p:clrMapOvr>
+  <mc:AlternateContent xmlns:mc="http://schemas.openxmlformats.org/markup-compatibility/2006" xmlns:p15="http://schemas.microsoft.com/office/powerpoint/2012/main">
+    <mc:Choice Requires="p15">
+      <p:transition xmlns:p14="http://schemas.microsoft.com/office/powerpoint/2010/main" spd="slow" p14:dur="1250">
+        <p15:prstTrans prst="pageCurlDouble"/>
+      </p:transition>
+    </mc:Choice>
+    <mc:Fallback xmlns="">
+      <p:transition spd="slow">
+        <p:fade/>
+      </p:transition>
+    </mc:Fallback>
+  </mc:AlternateContent>
 </p:sld>
 </file>
 
@@ -31779,6 +32570,18 @@
   <p:clrMapOvr>
     <a:masterClrMapping/>
   </p:clrMapOvr>
+  <mc:AlternateContent xmlns:mc="http://schemas.openxmlformats.org/markup-compatibility/2006" xmlns:p15="http://schemas.microsoft.com/office/powerpoint/2012/main">
+    <mc:Choice Requires="p15">
+      <p:transition xmlns:p14="http://schemas.microsoft.com/office/powerpoint/2010/main" spd="slow" p14:dur="1250">
+        <p15:prstTrans prst="pageCurlDouble"/>
+      </p:transition>
+    </mc:Choice>
+    <mc:Fallback xmlns="">
+      <p:transition spd="slow">
+        <p:fade/>
+      </p:transition>
+    </mc:Fallback>
+  </mc:AlternateContent>
   <p:timing>
     <p:tnLst>
       <p:par>
@@ -32564,7 +33367,7 @@
         </p:nvGrpSpPr>
         <p:grpSpPr>
           <a:xfrm>
-            <a:off x="8096681" y="2182915"/>
+            <a:off x="7768645" y="2376964"/>
             <a:ext cx="2251090" cy="931201"/>
             <a:chOff x="7841177" y="1881029"/>
             <a:chExt cx="2251090" cy="931201"/>
@@ -33292,6 +34095,18 @@
   <p:clrMapOvr>
     <a:masterClrMapping/>
   </p:clrMapOvr>
+  <mc:AlternateContent xmlns:mc="http://schemas.openxmlformats.org/markup-compatibility/2006" xmlns:p15="http://schemas.microsoft.com/office/powerpoint/2012/main">
+    <mc:Choice Requires="p15">
+      <p:transition xmlns:p14="http://schemas.microsoft.com/office/powerpoint/2010/main" spd="slow" p14:dur="1250">
+        <p15:prstTrans prst="pageCurlDouble"/>
+      </p:transition>
+    </mc:Choice>
+    <mc:Fallback xmlns="">
+      <p:transition spd="slow">
+        <p:fade/>
+      </p:transition>
+    </mc:Fallback>
+  </mc:AlternateContent>
 </p:sld>
 </file>
 
@@ -35959,6 +36774,18 @@
   <p:clrMapOvr>
     <a:masterClrMapping/>
   </p:clrMapOvr>
+  <mc:AlternateContent xmlns:mc="http://schemas.openxmlformats.org/markup-compatibility/2006" xmlns:p15="http://schemas.microsoft.com/office/powerpoint/2012/main">
+    <mc:Choice Requires="p15">
+      <p:transition xmlns:p14="http://schemas.microsoft.com/office/powerpoint/2010/main" spd="slow" p14:dur="1250">
+        <p15:prstTrans prst="pageCurlDouble"/>
+      </p:transition>
+    </mc:Choice>
+    <mc:Fallback xmlns="">
+      <p:transition spd="slow">
+        <p:fade/>
+      </p:transition>
+    </mc:Fallback>
+  </mc:AlternateContent>
   <p:timing>
     <p:tnLst>
       <p:par>
@@ -35971,9 +36798,6 @@
                     <p:cTn id="3" fill="hold">
                       <p:stCondLst>
                         <p:cond delay="indefinite"/>
-                        <p:cond evt="onBegin" delay="0">
-                          <p:tn val="2"/>
-                        </p:cond>
                       </p:stCondLst>
                       <p:childTnLst>
                         <p:par>
@@ -35983,7 +36807,7 @@
                             </p:stCondLst>
                             <p:childTnLst>
                               <p:par>
-                                <p:cTn id="5" presetID="10" presetClass="entr" presetSubtype="0" fill="hold" grpId="0" nodeType="withEffect">
+                                <p:cTn id="5" presetID="10" presetClass="entr" presetSubtype="0" fill="hold" grpId="0" nodeType="clickEffect">
                                   <p:stCondLst>
                                     <p:cond delay="0"/>
                                   </p:stCondLst>
@@ -36055,30 +36879,504 @@
                             </p:childTnLst>
                           </p:cTn>
                         </p:par>
-                      </p:childTnLst>
-                    </p:cTn>
-                  </p:par>
-                  <p:par>
-                    <p:cTn id="11" fill="hold">
-                      <p:stCondLst>
-                        <p:cond delay="indefinite"/>
-                      </p:stCondLst>
-                      <p:childTnLst>
                         <p:par>
-                          <p:cTn id="12" fill="hold">
+                          <p:cTn id="11" fill="hold">
                             <p:stCondLst>
-                              <p:cond delay="0"/>
+                              <p:cond delay="500"/>
                             </p:stCondLst>
                             <p:childTnLst>
                               <p:par>
-                                <p:cTn id="13" presetID="10" presetClass="entr" presetSubtype="0" fill="hold" nodeType="clickEffect">
+                                <p:cTn id="12" presetID="10" presetClass="entr" presetSubtype="0" fill="hold" grpId="0" nodeType="afterEffect">
                                   <p:stCondLst>
                                     <p:cond delay="0"/>
                                   </p:stCondLst>
                                   <p:childTnLst>
                                     <p:set>
                                       <p:cBhvr>
-                                        <p:cTn id="14" dur="1" fill="hold">
+                                        <p:cTn id="13" dur="1" fill="hold">
+                                          <p:stCondLst>
+                                            <p:cond delay="0"/>
+                                          </p:stCondLst>
+                                        </p:cTn>
+                                        <p:tgtEl>
+                                          <p:spTgt spid="50"/>
+                                        </p:tgtEl>
+                                        <p:attrNameLst>
+                                          <p:attrName>style.visibility</p:attrName>
+                                        </p:attrNameLst>
+                                      </p:cBhvr>
+                                      <p:to>
+                                        <p:strVal val="visible"/>
+                                      </p:to>
+                                    </p:set>
+                                    <p:animEffect transition="in" filter="fade">
+                                      <p:cBhvr>
+                                        <p:cTn id="14" dur="500"/>
+                                        <p:tgtEl>
+                                          <p:spTgt spid="50"/>
+                                        </p:tgtEl>
+                                      </p:cBhvr>
+                                    </p:animEffect>
+                                  </p:childTnLst>
+                                </p:cTn>
+                              </p:par>
+                              <p:par>
+                                <p:cTn id="15" presetID="10" presetClass="entr" presetSubtype="0" fill="hold" grpId="0" nodeType="withEffect">
+                                  <p:stCondLst>
+                                    <p:cond delay="0"/>
+                                  </p:stCondLst>
+                                  <p:childTnLst>
+                                    <p:set>
+                                      <p:cBhvr>
+                                        <p:cTn id="16" dur="1" fill="hold">
+                                          <p:stCondLst>
+                                            <p:cond delay="0"/>
+                                          </p:stCondLst>
+                                        </p:cTn>
+                                        <p:tgtEl>
+                                          <p:spTgt spid="52"/>
+                                        </p:tgtEl>
+                                        <p:attrNameLst>
+                                          <p:attrName>style.visibility</p:attrName>
+                                        </p:attrNameLst>
+                                      </p:cBhvr>
+                                      <p:to>
+                                        <p:strVal val="visible"/>
+                                      </p:to>
+                                    </p:set>
+                                    <p:animEffect transition="in" filter="fade">
+                                      <p:cBhvr>
+                                        <p:cTn id="17" dur="500"/>
+                                        <p:tgtEl>
+                                          <p:spTgt spid="52"/>
+                                        </p:tgtEl>
+                                      </p:cBhvr>
+                                    </p:animEffect>
+                                  </p:childTnLst>
+                                </p:cTn>
+                              </p:par>
+                            </p:childTnLst>
+                          </p:cTn>
+                        </p:par>
+                        <p:par>
+                          <p:cTn id="18" fill="hold">
+                            <p:stCondLst>
+                              <p:cond delay="1000"/>
+                            </p:stCondLst>
+                            <p:childTnLst>
+                              <p:par>
+                                <p:cTn id="19" presetID="10" presetClass="entr" presetSubtype="0" fill="hold" grpId="0" nodeType="afterEffect">
+                                  <p:stCondLst>
+                                    <p:cond delay="0"/>
+                                  </p:stCondLst>
+                                  <p:childTnLst>
+                                    <p:set>
+                                      <p:cBhvr>
+                                        <p:cTn id="20" dur="1" fill="hold">
+                                          <p:stCondLst>
+                                            <p:cond delay="0"/>
+                                          </p:stCondLst>
+                                        </p:cTn>
+                                        <p:tgtEl>
+                                          <p:spTgt spid="58"/>
+                                        </p:tgtEl>
+                                        <p:attrNameLst>
+                                          <p:attrName>style.visibility</p:attrName>
+                                        </p:attrNameLst>
+                                      </p:cBhvr>
+                                      <p:to>
+                                        <p:strVal val="visible"/>
+                                      </p:to>
+                                    </p:set>
+                                    <p:animEffect transition="in" filter="fade">
+                                      <p:cBhvr>
+                                        <p:cTn id="21" dur="500"/>
+                                        <p:tgtEl>
+                                          <p:spTgt spid="58"/>
+                                        </p:tgtEl>
+                                      </p:cBhvr>
+                                    </p:animEffect>
+                                  </p:childTnLst>
+                                </p:cTn>
+                              </p:par>
+                              <p:par>
+                                <p:cTn id="22" presetID="10" presetClass="entr" presetSubtype="0" fill="hold" grpId="0" nodeType="withEffect">
+                                  <p:stCondLst>
+                                    <p:cond delay="0"/>
+                                  </p:stCondLst>
+                                  <p:childTnLst>
+                                    <p:set>
+                                      <p:cBhvr>
+                                        <p:cTn id="23" dur="1" fill="hold">
+                                          <p:stCondLst>
+                                            <p:cond delay="0"/>
+                                          </p:stCondLst>
+                                        </p:cTn>
+                                        <p:tgtEl>
+                                          <p:spTgt spid="59"/>
+                                        </p:tgtEl>
+                                        <p:attrNameLst>
+                                          <p:attrName>style.visibility</p:attrName>
+                                        </p:attrNameLst>
+                                      </p:cBhvr>
+                                      <p:to>
+                                        <p:strVal val="visible"/>
+                                      </p:to>
+                                    </p:set>
+                                    <p:animEffect transition="in" filter="fade">
+                                      <p:cBhvr>
+                                        <p:cTn id="24" dur="500"/>
+                                        <p:tgtEl>
+                                          <p:spTgt spid="59"/>
+                                        </p:tgtEl>
+                                      </p:cBhvr>
+                                    </p:animEffect>
+                                  </p:childTnLst>
+                                </p:cTn>
+                              </p:par>
+                            </p:childTnLst>
+                          </p:cTn>
+                        </p:par>
+                        <p:par>
+                          <p:cTn id="25" fill="hold">
+                            <p:stCondLst>
+                              <p:cond delay="1500"/>
+                            </p:stCondLst>
+                            <p:childTnLst>
+                              <p:par>
+                                <p:cTn id="26" presetID="10" presetClass="entr" presetSubtype="0" fill="hold" grpId="0" nodeType="afterEffect">
+                                  <p:stCondLst>
+                                    <p:cond delay="0"/>
+                                  </p:stCondLst>
+                                  <p:childTnLst>
+                                    <p:set>
+                                      <p:cBhvr>
+                                        <p:cTn id="27" dur="1" fill="hold">
+                                          <p:stCondLst>
+                                            <p:cond delay="0"/>
+                                          </p:stCondLst>
+                                        </p:cTn>
+                                        <p:tgtEl>
+                                          <p:spTgt spid="74"/>
+                                        </p:tgtEl>
+                                        <p:attrNameLst>
+                                          <p:attrName>style.visibility</p:attrName>
+                                        </p:attrNameLst>
+                                      </p:cBhvr>
+                                      <p:to>
+                                        <p:strVal val="visible"/>
+                                      </p:to>
+                                    </p:set>
+                                    <p:animEffect transition="in" filter="fade">
+                                      <p:cBhvr>
+                                        <p:cTn id="28" dur="500"/>
+                                        <p:tgtEl>
+                                          <p:spTgt spid="74"/>
+                                        </p:tgtEl>
+                                      </p:cBhvr>
+                                    </p:animEffect>
+                                  </p:childTnLst>
+                                </p:cTn>
+                              </p:par>
+                              <p:par>
+                                <p:cTn id="29" presetID="10" presetClass="entr" presetSubtype="0" fill="hold" grpId="0" nodeType="withEffect">
+                                  <p:stCondLst>
+                                    <p:cond delay="0"/>
+                                  </p:stCondLst>
+                                  <p:childTnLst>
+                                    <p:set>
+                                      <p:cBhvr>
+                                        <p:cTn id="30" dur="1" fill="hold">
+                                          <p:stCondLst>
+                                            <p:cond delay="0"/>
+                                          </p:stCondLst>
+                                        </p:cTn>
+                                        <p:tgtEl>
+                                          <p:spTgt spid="75"/>
+                                        </p:tgtEl>
+                                        <p:attrNameLst>
+                                          <p:attrName>style.visibility</p:attrName>
+                                        </p:attrNameLst>
+                                      </p:cBhvr>
+                                      <p:to>
+                                        <p:strVal val="visible"/>
+                                      </p:to>
+                                    </p:set>
+                                    <p:animEffect transition="in" filter="fade">
+                                      <p:cBhvr>
+                                        <p:cTn id="31" dur="500"/>
+                                        <p:tgtEl>
+                                          <p:spTgt spid="75"/>
+                                        </p:tgtEl>
+                                      </p:cBhvr>
+                                    </p:animEffect>
+                                  </p:childTnLst>
+                                </p:cTn>
+                              </p:par>
+                            </p:childTnLst>
+                          </p:cTn>
+                        </p:par>
+                        <p:par>
+                          <p:cTn id="32" fill="hold">
+                            <p:stCondLst>
+                              <p:cond delay="2000"/>
+                            </p:stCondLst>
+                            <p:childTnLst>
+                              <p:par>
+                                <p:cTn id="33" presetID="10" presetClass="entr" presetSubtype="0" fill="hold" grpId="0" nodeType="afterEffect">
+                                  <p:stCondLst>
+                                    <p:cond delay="0"/>
+                                  </p:stCondLst>
+                                  <p:childTnLst>
+                                    <p:set>
+                                      <p:cBhvr>
+                                        <p:cTn id="34" dur="1" fill="hold">
+                                          <p:stCondLst>
+                                            <p:cond delay="0"/>
+                                          </p:stCondLst>
+                                        </p:cTn>
+                                        <p:tgtEl>
+                                          <p:spTgt spid="80"/>
+                                        </p:tgtEl>
+                                        <p:attrNameLst>
+                                          <p:attrName>style.visibility</p:attrName>
+                                        </p:attrNameLst>
+                                      </p:cBhvr>
+                                      <p:to>
+                                        <p:strVal val="visible"/>
+                                      </p:to>
+                                    </p:set>
+                                    <p:animEffect transition="in" filter="fade">
+                                      <p:cBhvr>
+                                        <p:cTn id="35" dur="500"/>
+                                        <p:tgtEl>
+                                          <p:spTgt spid="80"/>
+                                        </p:tgtEl>
+                                      </p:cBhvr>
+                                    </p:animEffect>
+                                  </p:childTnLst>
+                                </p:cTn>
+                              </p:par>
+                              <p:par>
+                                <p:cTn id="36" presetID="10" presetClass="entr" presetSubtype="0" fill="hold" grpId="0" nodeType="withEffect">
+                                  <p:stCondLst>
+                                    <p:cond delay="0"/>
+                                  </p:stCondLst>
+                                  <p:childTnLst>
+                                    <p:set>
+                                      <p:cBhvr>
+                                        <p:cTn id="37" dur="1" fill="hold">
+                                          <p:stCondLst>
+                                            <p:cond delay="0"/>
+                                          </p:stCondLst>
+                                        </p:cTn>
+                                        <p:tgtEl>
+                                          <p:spTgt spid="81"/>
+                                        </p:tgtEl>
+                                        <p:attrNameLst>
+                                          <p:attrName>style.visibility</p:attrName>
+                                        </p:attrNameLst>
+                                      </p:cBhvr>
+                                      <p:to>
+                                        <p:strVal val="visible"/>
+                                      </p:to>
+                                    </p:set>
+                                    <p:animEffect transition="in" filter="fade">
+                                      <p:cBhvr>
+                                        <p:cTn id="38" dur="500"/>
+                                        <p:tgtEl>
+                                          <p:spTgt spid="81"/>
+                                        </p:tgtEl>
+                                      </p:cBhvr>
+                                    </p:animEffect>
+                                  </p:childTnLst>
+                                </p:cTn>
+                              </p:par>
+                            </p:childTnLst>
+                          </p:cTn>
+                        </p:par>
+                        <p:par>
+                          <p:cTn id="39" fill="hold">
+                            <p:stCondLst>
+                              <p:cond delay="2500"/>
+                            </p:stCondLst>
+                            <p:childTnLst>
+                              <p:par>
+                                <p:cTn id="40" presetID="10" presetClass="entr" presetSubtype="0" fill="hold" grpId="0" nodeType="afterEffect">
+                                  <p:stCondLst>
+                                    <p:cond delay="0"/>
+                                  </p:stCondLst>
+                                  <p:childTnLst>
+                                    <p:set>
+                                      <p:cBhvr>
+                                        <p:cTn id="41" dur="1" fill="hold">
+                                          <p:stCondLst>
+                                            <p:cond delay="0"/>
+                                          </p:stCondLst>
+                                        </p:cTn>
+                                        <p:tgtEl>
+                                          <p:spTgt spid="85"/>
+                                        </p:tgtEl>
+                                        <p:attrNameLst>
+                                          <p:attrName>style.visibility</p:attrName>
+                                        </p:attrNameLst>
+                                      </p:cBhvr>
+                                      <p:to>
+                                        <p:strVal val="visible"/>
+                                      </p:to>
+                                    </p:set>
+                                    <p:animEffect transition="in" filter="fade">
+                                      <p:cBhvr>
+                                        <p:cTn id="42" dur="500"/>
+                                        <p:tgtEl>
+                                          <p:spTgt spid="85"/>
+                                        </p:tgtEl>
+                                      </p:cBhvr>
+                                    </p:animEffect>
+                                  </p:childTnLst>
+                                </p:cTn>
+                              </p:par>
+                              <p:par>
+                                <p:cTn id="43" presetID="10" presetClass="entr" presetSubtype="0" fill="hold" grpId="0" nodeType="withEffect">
+                                  <p:stCondLst>
+                                    <p:cond delay="0"/>
+                                  </p:stCondLst>
+                                  <p:childTnLst>
+                                    <p:set>
+                                      <p:cBhvr>
+                                        <p:cTn id="44" dur="1" fill="hold">
+                                          <p:stCondLst>
+                                            <p:cond delay="0"/>
+                                          </p:stCondLst>
+                                        </p:cTn>
+                                        <p:tgtEl>
+                                          <p:spTgt spid="86"/>
+                                        </p:tgtEl>
+                                        <p:attrNameLst>
+                                          <p:attrName>style.visibility</p:attrName>
+                                        </p:attrNameLst>
+                                      </p:cBhvr>
+                                      <p:to>
+                                        <p:strVal val="visible"/>
+                                      </p:to>
+                                    </p:set>
+                                    <p:animEffect transition="in" filter="fade">
+                                      <p:cBhvr>
+                                        <p:cTn id="45" dur="500"/>
+                                        <p:tgtEl>
+                                          <p:spTgt spid="86"/>
+                                        </p:tgtEl>
+                                      </p:cBhvr>
+                                    </p:animEffect>
+                                  </p:childTnLst>
+                                </p:cTn>
+                              </p:par>
+                            </p:childTnLst>
+                          </p:cTn>
+                        </p:par>
+                        <p:par>
+                          <p:cTn id="46" fill="hold">
+                            <p:stCondLst>
+                              <p:cond delay="3000"/>
+                            </p:stCondLst>
+                            <p:childTnLst>
+                              <p:par>
+                                <p:cTn id="47" presetID="10" presetClass="entr" presetSubtype="0" fill="hold" grpId="0" nodeType="afterEffect">
+                                  <p:stCondLst>
+                                    <p:cond delay="0"/>
+                                  </p:stCondLst>
+                                  <p:childTnLst>
+                                    <p:set>
+                                      <p:cBhvr>
+                                        <p:cTn id="48" dur="1" fill="hold">
+                                          <p:stCondLst>
+                                            <p:cond delay="0"/>
+                                          </p:stCondLst>
+                                        </p:cTn>
+                                        <p:tgtEl>
+                                          <p:spTgt spid="87"/>
+                                        </p:tgtEl>
+                                        <p:attrNameLst>
+                                          <p:attrName>style.visibility</p:attrName>
+                                        </p:attrNameLst>
+                                      </p:cBhvr>
+                                      <p:to>
+                                        <p:strVal val="visible"/>
+                                      </p:to>
+                                    </p:set>
+                                    <p:animEffect transition="in" filter="fade">
+                                      <p:cBhvr>
+                                        <p:cTn id="49" dur="500"/>
+                                        <p:tgtEl>
+                                          <p:spTgt spid="87"/>
+                                        </p:tgtEl>
+                                      </p:cBhvr>
+                                    </p:animEffect>
+                                  </p:childTnLst>
+                                </p:cTn>
+                              </p:par>
+                              <p:par>
+                                <p:cTn id="50" presetID="10" presetClass="entr" presetSubtype="0" fill="hold" grpId="0" nodeType="withEffect">
+                                  <p:stCondLst>
+                                    <p:cond delay="0"/>
+                                  </p:stCondLst>
+                                  <p:childTnLst>
+                                    <p:set>
+                                      <p:cBhvr>
+                                        <p:cTn id="51" dur="1" fill="hold">
+                                          <p:stCondLst>
+                                            <p:cond delay="0"/>
+                                          </p:stCondLst>
+                                        </p:cTn>
+                                        <p:tgtEl>
+                                          <p:spTgt spid="88"/>
+                                        </p:tgtEl>
+                                        <p:attrNameLst>
+                                          <p:attrName>style.visibility</p:attrName>
+                                        </p:attrNameLst>
+                                      </p:cBhvr>
+                                      <p:to>
+                                        <p:strVal val="visible"/>
+                                      </p:to>
+                                    </p:set>
+                                    <p:animEffect transition="in" filter="fade">
+                                      <p:cBhvr>
+                                        <p:cTn id="52" dur="500"/>
+                                        <p:tgtEl>
+                                          <p:spTgt spid="88"/>
+                                        </p:tgtEl>
+                                      </p:cBhvr>
+                                    </p:animEffect>
+                                  </p:childTnLst>
+                                </p:cTn>
+                              </p:par>
+                            </p:childTnLst>
+                          </p:cTn>
+                        </p:par>
+                      </p:childTnLst>
+                    </p:cTn>
+                  </p:par>
+                  <p:par>
+                    <p:cTn id="53" fill="hold">
+                      <p:stCondLst>
+                        <p:cond delay="indefinite"/>
+                      </p:stCondLst>
+                      <p:childTnLst>
+                        <p:par>
+                          <p:cTn id="54" fill="hold">
+                            <p:stCondLst>
+                              <p:cond delay="0"/>
+                            </p:stCondLst>
+                            <p:childTnLst>
+                              <p:par>
+                                <p:cTn id="55" presetID="10" presetClass="entr" presetSubtype="0" fill="hold" nodeType="clickEffect">
+                                  <p:stCondLst>
+                                    <p:cond delay="0"/>
+                                  </p:stCondLst>
+                                  <p:childTnLst>
+                                    <p:set>
+                                      <p:cBhvr>
+                                        <p:cTn id="56" dur="1" fill="hold">
                                           <p:stCondLst>
                                             <p:cond delay="0"/>
                                           </p:stCondLst>
@@ -36096,7 +37394,7 @@
                                     </p:set>
                                     <p:animEffect transition="in" filter="fade">
                                       <p:cBhvr>
-                                        <p:cTn id="15" dur="500"/>
+                                        <p:cTn id="57" dur="500"/>
                                         <p:tgtEl>
                                           <p:spTgt spid="46"/>
                                         </p:tgtEl>
@@ -36105,21 +37403,30 @@
                                   </p:childTnLst>
                                 </p:cTn>
                               </p:par>
+                            </p:childTnLst>
+                          </p:cTn>
+                        </p:par>
+                        <p:par>
+                          <p:cTn id="58" fill="hold">
+                            <p:stCondLst>
+                              <p:cond delay="500"/>
+                            </p:stCondLst>
+                            <p:childTnLst>
                               <p:par>
-                                <p:cTn id="16" presetID="10" presetClass="entr" presetSubtype="0" fill="hold" grpId="0" nodeType="withEffect">
+                                <p:cTn id="59" presetID="10" presetClass="entr" presetSubtype="0" fill="hold" nodeType="afterEffect">
                                   <p:stCondLst>
                                     <p:cond delay="0"/>
                                   </p:stCondLst>
                                   <p:childTnLst>
                                     <p:set>
                                       <p:cBhvr>
-                                        <p:cTn id="17" dur="1" fill="hold">
+                                        <p:cTn id="60" dur="1" fill="hold">
                                           <p:stCondLst>
                                             <p:cond delay="0"/>
                                           </p:stCondLst>
                                         </p:cTn>
                                         <p:tgtEl>
-                                          <p:spTgt spid="50"/>
+                                          <p:spTgt spid="56"/>
                                         </p:tgtEl>
                                         <p:attrNameLst>
                                           <p:attrName>style.visibility</p:attrName>
@@ -36131,44 +37438,9 @@
                                     </p:set>
                                     <p:animEffect transition="in" filter="fade">
                                       <p:cBhvr>
-                                        <p:cTn id="18" dur="500"/>
+                                        <p:cTn id="61" dur="500"/>
                                         <p:tgtEl>
-                                          <p:spTgt spid="50"/>
-                                        </p:tgtEl>
-                                      </p:cBhvr>
-                                    </p:animEffect>
-                                  </p:childTnLst>
-                                </p:cTn>
-                              </p:par>
-                              <p:par>
-                                <p:cTn id="19" presetID="10" presetClass="entr" presetSubtype="0" fill="hold" grpId="0" nodeType="withEffect">
-                                  <p:stCondLst>
-                                    <p:cond delay="0"/>
-                                  </p:stCondLst>
-                                  <p:childTnLst>
-                                    <p:set>
-                                      <p:cBhvr>
-                                        <p:cTn id="20" dur="1" fill="hold">
-                                          <p:stCondLst>
-                                            <p:cond delay="0"/>
-                                          </p:stCondLst>
-                                        </p:cTn>
-                                        <p:tgtEl>
-                                          <p:spTgt spid="52"/>
-                                        </p:tgtEl>
-                                        <p:attrNameLst>
-                                          <p:attrName>style.visibility</p:attrName>
-                                        </p:attrNameLst>
-                                      </p:cBhvr>
-                                      <p:to>
-                                        <p:strVal val="visible"/>
-                                      </p:to>
-                                    </p:set>
-                                    <p:animEffect transition="in" filter="fade">
-                                      <p:cBhvr>
-                                        <p:cTn id="21" dur="500"/>
-                                        <p:tgtEl>
-                                          <p:spTgt spid="52"/>
+                                          <p:spTgt spid="56"/>
                                         </p:tgtEl>
                                       </p:cBhvr>
                                     </p:animEffect>
@@ -36178,30 +37450,21 @@
                             </p:childTnLst>
                           </p:cTn>
                         </p:par>
-                      </p:childTnLst>
-                    </p:cTn>
-                  </p:par>
-                  <p:par>
-                    <p:cTn id="22" fill="hold">
-                      <p:stCondLst>
-                        <p:cond delay="indefinite"/>
-                      </p:stCondLst>
-                      <p:childTnLst>
                         <p:par>
-                          <p:cTn id="23" fill="hold">
+                          <p:cTn id="62" fill="hold">
                             <p:stCondLst>
-                              <p:cond delay="0"/>
+                              <p:cond delay="1000"/>
                             </p:stCondLst>
                             <p:childTnLst>
                               <p:par>
-                                <p:cTn id="24" presetID="10" presetClass="entr" presetSubtype="0" fill="hold" nodeType="clickEffect">
+                                <p:cTn id="63" presetID="10" presetClass="entr" presetSubtype="0" fill="hold" nodeType="afterEffect">
                                   <p:stCondLst>
                                     <p:cond delay="0"/>
                                   </p:stCondLst>
                                   <p:childTnLst>
                                     <p:set>
                                       <p:cBhvr>
-                                        <p:cTn id="25" dur="1" fill="hold">
+                                        <p:cTn id="64" dur="1" fill="hold">
                                           <p:stCondLst>
                                             <p:cond delay="0"/>
                                           </p:stCondLst>
@@ -36219,7 +37482,7 @@
                                     </p:set>
                                     <p:animEffect transition="in" filter="fade">
                                       <p:cBhvr>
-                                        <p:cTn id="26" dur="500"/>
+                                        <p:cTn id="65" dur="500"/>
                                         <p:tgtEl>
                                           <p:spTgt spid="54"/>
                                         </p:tgtEl>
@@ -36231,36 +37494,27 @@
                             </p:childTnLst>
                           </p:cTn>
                         </p:par>
-                      </p:childTnLst>
-                    </p:cTn>
-                  </p:par>
-                  <p:par>
-                    <p:cTn id="27" fill="hold">
-                      <p:stCondLst>
-                        <p:cond delay="indefinite"/>
-                      </p:stCondLst>
-                      <p:childTnLst>
                         <p:par>
-                          <p:cTn id="28" fill="hold">
+                          <p:cTn id="66" fill="hold">
                             <p:stCondLst>
-                              <p:cond delay="0"/>
+                              <p:cond delay="1500"/>
                             </p:stCondLst>
                             <p:childTnLst>
                               <p:par>
-                                <p:cTn id="29" presetID="10" presetClass="entr" presetSubtype="0" fill="hold" nodeType="clickEffect">
+                                <p:cTn id="67" presetID="10" presetClass="entr" presetSubtype="0" fill="hold" nodeType="afterEffect">
                                   <p:stCondLst>
                                     <p:cond delay="0"/>
                                   </p:stCondLst>
                                   <p:childTnLst>
                                     <p:set>
                                       <p:cBhvr>
-                                        <p:cTn id="30" dur="1" fill="hold">
+                                        <p:cTn id="68" dur="1" fill="hold">
                                           <p:stCondLst>
                                             <p:cond delay="0"/>
                                           </p:stCondLst>
                                         </p:cTn>
                                         <p:tgtEl>
-                                          <p:spTgt spid="56"/>
+                                          <p:spTgt spid="64"/>
                                         </p:tgtEl>
                                         <p:attrNameLst>
                                           <p:attrName>style.visibility</p:attrName>
@@ -36272,79 +37526,9 @@
                                     </p:set>
                                     <p:animEffect transition="in" filter="fade">
                                       <p:cBhvr>
-                                        <p:cTn id="31" dur="500"/>
+                                        <p:cTn id="69" dur="500"/>
                                         <p:tgtEl>
-                                          <p:spTgt spid="56"/>
-                                        </p:tgtEl>
-                                      </p:cBhvr>
-                                    </p:animEffect>
-                                  </p:childTnLst>
-                                </p:cTn>
-                              </p:par>
-                              <p:par>
-                                <p:cTn id="32" presetID="10" presetClass="entr" presetSubtype="0" fill="hold" grpId="0" nodeType="withEffect">
-                                  <p:stCondLst>
-                                    <p:cond delay="0"/>
-                                  </p:stCondLst>
-                                  <p:childTnLst>
-                                    <p:set>
-                                      <p:cBhvr>
-                                        <p:cTn id="33" dur="1" fill="hold">
-                                          <p:stCondLst>
-                                            <p:cond delay="0"/>
-                                          </p:stCondLst>
-                                        </p:cTn>
-                                        <p:tgtEl>
-                                          <p:spTgt spid="58"/>
-                                        </p:tgtEl>
-                                        <p:attrNameLst>
-                                          <p:attrName>style.visibility</p:attrName>
-                                        </p:attrNameLst>
-                                      </p:cBhvr>
-                                      <p:to>
-                                        <p:strVal val="visible"/>
-                                      </p:to>
-                                    </p:set>
-                                    <p:animEffect transition="in" filter="fade">
-                                      <p:cBhvr>
-                                        <p:cTn id="34" dur="500"/>
-                                        <p:tgtEl>
-                                          <p:spTgt spid="58"/>
-                                        </p:tgtEl>
-                                      </p:cBhvr>
-                                    </p:animEffect>
-                                  </p:childTnLst>
-                                </p:cTn>
-                              </p:par>
-                              <p:par>
-                                <p:cTn id="35" presetID="10" presetClass="entr" presetSubtype="0" fill="hold" grpId="0" nodeType="withEffect">
-                                  <p:stCondLst>
-                                    <p:cond delay="0"/>
-                                  </p:stCondLst>
-                                  <p:childTnLst>
-                                    <p:set>
-                                      <p:cBhvr>
-                                        <p:cTn id="36" dur="1" fill="hold">
-                                          <p:stCondLst>
-                                            <p:cond delay="0"/>
-                                          </p:stCondLst>
-                                        </p:cTn>
-                                        <p:tgtEl>
-                                          <p:spTgt spid="59"/>
-                                        </p:tgtEl>
-                                        <p:attrNameLst>
-                                          <p:attrName>style.visibility</p:attrName>
-                                        </p:attrNameLst>
-                                      </p:cBhvr>
-                                      <p:to>
-                                        <p:strVal val="visible"/>
-                                      </p:to>
-                                    </p:set>
-                                    <p:animEffect transition="in" filter="fade">
-                                      <p:cBhvr>
-                                        <p:cTn id="37" dur="500"/>
-                                        <p:tgtEl>
-                                          <p:spTgt spid="59"/>
+                                          <p:spTgt spid="64"/>
                                         </p:tgtEl>
                                       </p:cBhvr>
                                     </p:animEffect>
@@ -36354,30 +37538,21 @@
                             </p:childTnLst>
                           </p:cTn>
                         </p:par>
-                      </p:childTnLst>
-                    </p:cTn>
-                  </p:par>
-                  <p:par>
-                    <p:cTn id="38" fill="hold">
-                      <p:stCondLst>
-                        <p:cond delay="indefinite"/>
-                      </p:stCondLst>
-                      <p:childTnLst>
                         <p:par>
-                          <p:cTn id="39" fill="hold">
+                          <p:cTn id="70" fill="hold">
                             <p:stCondLst>
-                              <p:cond delay="0"/>
+                              <p:cond delay="2000"/>
                             </p:stCondLst>
                             <p:childTnLst>
                               <p:par>
-                                <p:cTn id="40" presetID="10" presetClass="entr" presetSubtype="0" fill="hold" nodeType="clickEffect">
+                                <p:cTn id="71" presetID="10" presetClass="entr" presetSubtype="0" fill="hold" nodeType="afterEffect">
                                   <p:stCondLst>
                                     <p:cond delay="0"/>
                                   </p:stCondLst>
                                   <p:childTnLst>
                                     <p:set>
                                       <p:cBhvr>
-                                        <p:cTn id="41" dur="1" fill="hold">
+                                        <p:cTn id="72" dur="1" fill="hold">
                                           <p:stCondLst>
                                             <p:cond delay="0"/>
                                           </p:stCondLst>
@@ -36395,7 +37570,7 @@
                                     </p:set>
                                     <p:animEffect transition="in" filter="fade">
                                       <p:cBhvr>
-                                        <p:cTn id="42" dur="500"/>
+                                        <p:cTn id="73" dur="500"/>
                                         <p:tgtEl>
                                           <p:spTgt spid="61"/>
                                         </p:tgtEl>
@@ -36407,36 +37582,27 @@
                             </p:childTnLst>
                           </p:cTn>
                         </p:par>
-                      </p:childTnLst>
-                    </p:cTn>
-                  </p:par>
-                  <p:par>
-                    <p:cTn id="43" fill="hold">
-                      <p:stCondLst>
-                        <p:cond delay="indefinite"/>
-                      </p:stCondLst>
-                      <p:childTnLst>
                         <p:par>
-                          <p:cTn id="44" fill="hold">
+                          <p:cTn id="74" fill="hold">
                             <p:stCondLst>
-                              <p:cond delay="0"/>
+                              <p:cond delay="2500"/>
                             </p:stCondLst>
                             <p:childTnLst>
                               <p:par>
-                                <p:cTn id="45" presetID="10" presetClass="entr" presetSubtype="0" fill="hold" nodeType="clickEffect">
+                                <p:cTn id="75" presetID="10" presetClass="entr" presetSubtype="0" fill="hold" nodeType="afterEffect">
                                   <p:stCondLst>
                                     <p:cond delay="0"/>
                                   </p:stCondLst>
                                   <p:childTnLst>
                                     <p:set>
                                       <p:cBhvr>
-                                        <p:cTn id="46" dur="1" fill="hold">
+                                        <p:cTn id="76" dur="1" fill="hold">
                                           <p:stCondLst>
                                             <p:cond delay="0"/>
                                           </p:stCondLst>
                                         </p:cTn>
                                         <p:tgtEl>
-                                          <p:spTgt spid="64"/>
+                                          <p:spTgt spid="77"/>
                                         </p:tgtEl>
                                         <p:attrNameLst>
                                           <p:attrName>style.visibility</p:attrName>
@@ -36448,9 +37614,9 @@
                                     </p:set>
                                     <p:animEffect transition="in" filter="fade">
                                       <p:cBhvr>
-                                        <p:cTn id="47" dur="500"/>
+                                        <p:cTn id="77" dur="500"/>
                                         <p:tgtEl>
-                                          <p:spTgt spid="64"/>
+                                          <p:spTgt spid="77"/>
                                         </p:tgtEl>
                                       </p:cBhvr>
                                     </p:animEffect>
@@ -36460,30 +37626,21 @@
                             </p:childTnLst>
                           </p:cTn>
                         </p:par>
-                      </p:childTnLst>
-                    </p:cTn>
-                  </p:par>
-                  <p:par>
-                    <p:cTn id="48" fill="hold">
-                      <p:stCondLst>
-                        <p:cond delay="indefinite"/>
-                      </p:stCondLst>
-                      <p:childTnLst>
                         <p:par>
-                          <p:cTn id="49" fill="hold">
+                          <p:cTn id="78" fill="hold">
                             <p:stCondLst>
-                              <p:cond delay="0"/>
+                              <p:cond delay="3000"/>
                             </p:stCondLst>
                             <p:childTnLst>
                               <p:par>
-                                <p:cTn id="50" presetID="10" presetClass="entr" presetSubtype="0" fill="hold" nodeType="clickEffect">
+                                <p:cTn id="79" presetID="10" presetClass="entr" presetSubtype="0" fill="hold" nodeType="afterEffect">
                                   <p:stCondLst>
                                     <p:cond delay="0"/>
                                   </p:stCondLst>
                                   <p:childTnLst>
                                     <p:set>
                                       <p:cBhvr>
-                                        <p:cTn id="51" dur="1" fill="hold">
+                                        <p:cTn id="80" dur="1" fill="hold">
                                           <p:stCondLst>
                                             <p:cond delay="0"/>
                                           </p:stCondLst>
@@ -36501,7 +37658,7 @@
                                     </p:set>
                                     <p:animEffect transition="in" filter="fade">
                                       <p:cBhvr>
-                                        <p:cTn id="52" dur="500"/>
+                                        <p:cTn id="81" dur="500"/>
                                         <p:tgtEl>
                                           <p:spTgt spid="68"/>
                                         </p:tgtEl>
@@ -36510,21 +37667,30 @@
                                   </p:childTnLst>
                                 </p:cTn>
                               </p:par>
+                            </p:childTnLst>
+                          </p:cTn>
+                        </p:par>
+                        <p:par>
+                          <p:cTn id="82" fill="hold">
+                            <p:stCondLst>
+                              <p:cond delay="3500"/>
+                            </p:stCondLst>
+                            <p:childTnLst>
                               <p:par>
-                                <p:cTn id="53" presetID="10" presetClass="entr" presetSubtype="0" fill="hold" grpId="0" nodeType="withEffect">
+                                <p:cTn id="83" presetID="10" presetClass="entr" presetSubtype="0" fill="hold" nodeType="afterEffect">
                                   <p:stCondLst>
                                     <p:cond delay="0"/>
                                   </p:stCondLst>
                                   <p:childTnLst>
                                     <p:set>
                                       <p:cBhvr>
-                                        <p:cTn id="54" dur="1" fill="hold">
+                                        <p:cTn id="84" dur="1" fill="hold">
                                           <p:stCondLst>
                                             <p:cond delay="0"/>
                                           </p:stCondLst>
                                         </p:cTn>
                                         <p:tgtEl>
-                                          <p:spTgt spid="74"/>
+                                          <p:spTgt spid="83"/>
                                         </p:tgtEl>
                                         <p:attrNameLst>
                                           <p:attrName>style.visibility</p:attrName>
@@ -36536,44 +37702,9 @@
                                     </p:set>
                                     <p:animEffect transition="in" filter="fade">
                                       <p:cBhvr>
-                                        <p:cTn id="55" dur="500"/>
+                                        <p:cTn id="85" dur="500"/>
                                         <p:tgtEl>
-                                          <p:spTgt spid="74"/>
-                                        </p:tgtEl>
-                                      </p:cBhvr>
-                                    </p:animEffect>
-                                  </p:childTnLst>
-                                </p:cTn>
-                              </p:par>
-                              <p:par>
-                                <p:cTn id="56" presetID="10" presetClass="entr" presetSubtype="0" fill="hold" grpId="0" nodeType="withEffect">
-                                  <p:stCondLst>
-                                    <p:cond delay="0"/>
-                                  </p:stCondLst>
-                                  <p:childTnLst>
-                                    <p:set>
-                                      <p:cBhvr>
-                                        <p:cTn id="57" dur="1" fill="hold">
-                                          <p:stCondLst>
-                                            <p:cond delay="0"/>
-                                          </p:stCondLst>
-                                        </p:cTn>
-                                        <p:tgtEl>
-                                          <p:spTgt spid="75"/>
-                                        </p:tgtEl>
-                                        <p:attrNameLst>
-                                          <p:attrName>style.visibility</p:attrName>
-                                        </p:attrNameLst>
-                                      </p:cBhvr>
-                                      <p:to>
-                                        <p:strVal val="visible"/>
-                                      </p:to>
-                                    </p:set>
-                                    <p:animEffect transition="in" filter="fade">
-                                      <p:cBhvr>
-                                        <p:cTn id="58" dur="500"/>
-                                        <p:tgtEl>
-                                          <p:spTgt spid="75"/>
+                                          <p:spTgt spid="83"/>
                                         </p:tgtEl>
                                       </p:cBhvr>
                                     </p:animEffect>
@@ -36583,153 +37714,21 @@
                             </p:childTnLst>
                           </p:cTn>
                         </p:par>
-                      </p:childTnLst>
-                    </p:cTn>
-                  </p:par>
-                  <p:par>
-                    <p:cTn id="59" fill="hold">
-                      <p:stCondLst>
-                        <p:cond delay="indefinite"/>
-                      </p:stCondLst>
-                      <p:childTnLst>
                         <p:par>
-                          <p:cTn id="60" fill="hold">
+                          <p:cTn id="86" fill="hold">
                             <p:stCondLst>
-                              <p:cond delay="0"/>
+                              <p:cond delay="4000"/>
                             </p:stCondLst>
                             <p:childTnLst>
                               <p:par>
-                                <p:cTn id="61" presetID="10" presetClass="entr" presetSubtype="0" fill="hold" nodeType="clickEffect">
+                                <p:cTn id="87" presetID="10" presetClass="entr" presetSubtype="0" fill="hold" nodeType="afterEffect">
                                   <p:stCondLst>
                                     <p:cond delay="0"/>
                                   </p:stCondLst>
                                   <p:childTnLst>
                                     <p:set>
                                       <p:cBhvr>
-                                        <p:cTn id="62" dur="1" fill="hold">
-                                          <p:stCondLst>
-                                            <p:cond delay="0"/>
-                                          </p:stCondLst>
-                                        </p:cTn>
-                                        <p:tgtEl>
-                                          <p:spTgt spid="77"/>
-                                        </p:tgtEl>
-                                        <p:attrNameLst>
-                                          <p:attrName>style.visibility</p:attrName>
-                                        </p:attrNameLst>
-                                      </p:cBhvr>
-                                      <p:to>
-                                        <p:strVal val="visible"/>
-                                      </p:to>
-                                    </p:set>
-                                    <p:animEffect transition="in" filter="fade">
-                                      <p:cBhvr>
-                                        <p:cTn id="63" dur="500"/>
-                                        <p:tgtEl>
-                                          <p:spTgt spid="77"/>
-                                        </p:tgtEl>
-                                      </p:cBhvr>
-                                    </p:animEffect>
-                                  </p:childTnLst>
-                                </p:cTn>
-                              </p:par>
-                              <p:par>
-                                <p:cTn id="64" presetID="10" presetClass="entr" presetSubtype="0" fill="hold" grpId="0" nodeType="withEffect">
-                                  <p:stCondLst>
-                                    <p:cond delay="0"/>
-                                  </p:stCondLst>
-                                  <p:childTnLst>
-                                    <p:set>
-                                      <p:cBhvr>
-                                        <p:cTn id="65" dur="1" fill="hold">
-                                          <p:stCondLst>
-                                            <p:cond delay="0"/>
-                                          </p:stCondLst>
-                                        </p:cTn>
-                                        <p:tgtEl>
-                                          <p:spTgt spid="80"/>
-                                        </p:tgtEl>
-                                        <p:attrNameLst>
-                                          <p:attrName>style.visibility</p:attrName>
-                                        </p:attrNameLst>
-                                      </p:cBhvr>
-                                      <p:to>
-                                        <p:strVal val="visible"/>
-                                      </p:to>
-                                    </p:set>
-                                    <p:animEffect transition="in" filter="fade">
-                                      <p:cBhvr>
-                                        <p:cTn id="66" dur="500"/>
-                                        <p:tgtEl>
-                                          <p:spTgt spid="80"/>
-                                        </p:tgtEl>
-                                      </p:cBhvr>
-                                    </p:animEffect>
-                                  </p:childTnLst>
-                                </p:cTn>
-                              </p:par>
-                              <p:par>
-                                <p:cTn id="67" presetID="10" presetClass="entr" presetSubtype="0" fill="hold" grpId="0" nodeType="withEffect">
-                                  <p:stCondLst>
-                                    <p:cond delay="0"/>
-                                  </p:stCondLst>
-                                  <p:childTnLst>
-                                    <p:set>
-                                      <p:cBhvr>
-                                        <p:cTn id="68" dur="1" fill="hold">
-                                          <p:stCondLst>
-                                            <p:cond delay="0"/>
-                                          </p:stCondLst>
-                                        </p:cTn>
-                                        <p:tgtEl>
-                                          <p:spTgt spid="81"/>
-                                        </p:tgtEl>
-                                        <p:attrNameLst>
-                                          <p:attrName>style.visibility</p:attrName>
-                                        </p:attrNameLst>
-                                      </p:cBhvr>
-                                      <p:to>
-                                        <p:strVal val="visible"/>
-                                      </p:to>
-                                    </p:set>
-                                    <p:animEffect transition="in" filter="fade">
-                                      <p:cBhvr>
-                                        <p:cTn id="69" dur="500"/>
-                                        <p:tgtEl>
-                                          <p:spTgt spid="81"/>
-                                        </p:tgtEl>
-                                      </p:cBhvr>
-                                    </p:animEffect>
-                                  </p:childTnLst>
-                                </p:cTn>
-                              </p:par>
-                            </p:childTnLst>
-                          </p:cTn>
-                        </p:par>
-                      </p:childTnLst>
-                    </p:cTn>
-                  </p:par>
-                  <p:par>
-                    <p:cTn id="70" fill="hold">
-                      <p:stCondLst>
-                        <p:cond delay="indefinite"/>
-                      </p:stCondLst>
-                      <p:childTnLst>
-                        <p:par>
-                          <p:cTn id="71" fill="hold">
-                            <p:stCondLst>
-                              <p:cond delay="0"/>
-                            </p:stCondLst>
-                            <p:childTnLst>
-                              <p:par>
-                                <p:cTn id="72" presetID="10" presetClass="entr" presetSubtype="0" fill="hold" nodeType="clickEffect">
-                                  <p:stCondLst>
-                                    <p:cond delay="0"/>
-                                  </p:stCondLst>
-                                  <p:childTnLst>
-                                    <p:set>
-                                      <p:cBhvr>
-                                        <p:cTn id="73" dur="1" fill="hold">
+                                        <p:cTn id="88" dur="1" fill="hold">
                                           <p:stCondLst>
                                             <p:cond delay="0"/>
                                           </p:stCondLst>
@@ -36747,7 +37746,7 @@
                                     </p:set>
                                     <p:animEffect transition="in" filter="fade">
                                       <p:cBhvr>
-                                        <p:cTn id="74" dur="500"/>
+                                        <p:cTn id="89" dur="500"/>
                                         <p:tgtEl>
                                           <p:spTgt spid="82"/>
                                         </p:tgtEl>
@@ -36759,223 +37758,21 @@
                             </p:childTnLst>
                           </p:cTn>
                         </p:par>
-                      </p:childTnLst>
-                    </p:cTn>
-                  </p:par>
-                  <p:par>
-                    <p:cTn id="75" fill="hold">
-                      <p:stCondLst>
-                        <p:cond delay="indefinite"/>
-                      </p:stCondLst>
-                      <p:childTnLst>
                         <p:par>
-                          <p:cTn id="76" fill="hold">
+                          <p:cTn id="90" fill="hold">
                             <p:stCondLst>
-                              <p:cond delay="0"/>
+                              <p:cond delay="4500"/>
                             </p:stCondLst>
                             <p:childTnLst>
                               <p:par>
-                                <p:cTn id="77" presetID="10" presetClass="entr" presetSubtype="0" fill="hold" nodeType="clickEffect">
+                                <p:cTn id="91" presetID="10" presetClass="entr" presetSubtype="0" fill="hold" nodeType="afterEffect">
                                   <p:stCondLst>
                                     <p:cond delay="0"/>
                                   </p:stCondLst>
                                   <p:childTnLst>
                                     <p:set>
                                       <p:cBhvr>
-                                        <p:cTn id="78" dur="1" fill="hold">
-                                          <p:stCondLst>
-                                            <p:cond delay="0"/>
-                                          </p:stCondLst>
-                                        </p:cTn>
-                                        <p:tgtEl>
-                                          <p:spTgt spid="83"/>
-                                        </p:tgtEl>
-                                        <p:attrNameLst>
-                                          <p:attrName>style.visibility</p:attrName>
-                                        </p:attrNameLst>
-                                      </p:cBhvr>
-                                      <p:to>
-                                        <p:strVal val="visible"/>
-                                      </p:to>
-                                    </p:set>
-                                    <p:animEffect transition="in" filter="fade">
-                                      <p:cBhvr>
-                                        <p:cTn id="79" dur="500"/>
-                                        <p:tgtEl>
-                                          <p:spTgt spid="83"/>
-                                        </p:tgtEl>
-                                      </p:cBhvr>
-                                    </p:animEffect>
-                                  </p:childTnLst>
-                                </p:cTn>
-                              </p:par>
-                              <p:par>
-                                <p:cTn id="80" presetID="10" presetClass="entr" presetSubtype="0" fill="hold" grpId="0" nodeType="withEffect">
-                                  <p:stCondLst>
-                                    <p:cond delay="0"/>
-                                  </p:stCondLst>
-                                  <p:childTnLst>
-                                    <p:set>
-                                      <p:cBhvr>
-                                        <p:cTn id="81" dur="1" fill="hold">
-                                          <p:stCondLst>
-                                            <p:cond delay="0"/>
-                                          </p:stCondLst>
-                                        </p:cTn>
-                                        <p:tgtEl>
-                                          <p:spTgt spid="85"/>
-                                        </p:tgtEl>
-                                        <p:attrNameLst>
-                                          <p:attrName>style.visibility</p:attrName>
-                                        </p:attrNameLst>
-                                      </p:cBhvr>
-                                      <p:to>
-                                        <p:strVal val="visible"/>
-                                      </p:to>
-                                    </p:set>
-                                    <p:animEffect transition="in" filter="fade">
-                                      <p:cBhvr>
-                                        <p:cTn id="82" dur="500"/>
-                                        <p:tgtEl>
-                                          <p:spTgt spid="85"/>
-                                        </p:tgtEl>
-                                      </p:cBhvr>
-                                    </p:animEffect>
-                                  </p:childTnLst>
-                                </p:cTn>
-                              </p:par>
-                              <p:par>
-                                <p:cTn id="83" presetID="10" presetClass="entr" presetSubtype="0" fill="hold" grpId="0" nodeType="withEffect">
-                                  <p:stCondLst>
-                                    <p:cond delay="0"/>
-                                  </p:stCondLst>
-                                  <p:childTnLst>
-                                    <p:set>
-                                      <p:cBhvr>
-                                        <p:cTn id="84" dur="1" fill="hold">
-                                          <p:stCondLst>
-                                            <p:cond delay="0"/>
-                                          </p:stCondLst>
-                                        </p:cTn>
-                                        <p:tgtEl>
-                                          <p:spTgt spid="86"/>
-                                        </p:tgtEl>
-                                        <p:attrNameLst>
-                                          <p:attrName>style.visibility</p:attrName>
-                                        </p:attrNameLst>
-                                      </p:cBhvr>
-                                      <p:to>
-                                        <p:strVal val="visible"/>
-                                      </p:to>
-                                    </p:set>
-                                    <p:animEffect transition="in" filter="fade">
-                                      <p:cBhvr>
-                                        <p:cTn id="85" dur="500"/>
-                                        <p:tgtEl>
-                                          <p:spTgt spid="86"/>
-                                        </p:tgtEl>
-                                      </p:cBhvr>
-                                    </p:animEffect>
-                                  </p:childTnLst>
-                                </p:cTn>
-                              </p:par>
-                              <p:par>
-                                <p:cTn id="86" presetID="10" presetClass="entr" presetSubtype="0" fill="hold" grpId="0" nodeType="withEffect">
-                                  <p:stCondLst>
-                                    <p:cond delay="0"/>
-                                  </p:stCondLst>
-                                  <p:childTnLst>
-                                    <p:set>
-                                      <p:cBhvr>
-                                        <p:cTn id="87" dur="1" fill="hold">
-                                          <p:stCondLst>
-                                            <p:cond delay="0"/>
-                                          </p:stCondLst>
-                                        </p:cTn>
-                                        <p:tgtEl>
-                                          <p:spTgt spid="87"/>
-                                        </p:tgtEl>
-                                        <p:attrNameLst>
-                                          <p:attrName>style.visibility</p:attrName>
-                                        </p:attrNameLst>
-                                      </p:cBhvr>
-                                      <p:to>
-                                        <p:strVal val="visible"/>
-                                      </p:to>
-                                    </p:set>
-                                    <p:animEffect transition="in" filter="fade">
-                                      <p:cBhvr>
-                                        <p:cTn id="88" dur="500"/>
-                                        <p:tgtEl>
-                                          <p:spTgt spid="87"/>
-                                        </p:tgtEl>
-                                      </p:cBhvr>
-                                    </p:animEffect>
-                                  </p:childTnLst>
-                                </p:cTn>
-                              </p:par>
-                              <p:par>
-                                <p:cTn id="89" presetID="10" presetClass="entr" presetSubtype="0" fill="hold" grpId="0" nodeType="withEffect">
-                                  <p:stCondLst>
-                                    <p:cond delay="0"/>
-                                  </p:stCondLst>
-                                  <p:childTnLst>
-                                    <p:set>
-                                      <p:cBhvr>
-                                        <p:cTn id="90" dur="1" fill="hold">
-                                          <p:stCondLst>
-                                            <p:cond delay="0"/>
-                                          </p:stCondLst>
-                                        </p:cTn>
-                                        <p:tgtEl>
-                                          <p:spTgt spid="88"/>
-                                        </p:tgtEl>
-                                        <p:attrNameLst>
-                                          <p:attrName>style.visibility</p:attrName>
-                                        </p:attrNameLst>
-                                      </p:cBhvr>
-                                      <p:to>
-                                        <p:strVal val="visible"/>
-                                      </p:to>
-                                    </p:set>
-                                    <p:animEffect transition="in" filter="fade">
-                                      <p:cBhvr>
-                                        <p:cTn id="91" dur="500"/>
-                                        <p:tgtEl>
-                                          <p:spTgt spid="88"/>
-                                        </p:tgtEl>
-                                      </p:cBhvr>
-                                    </p:animEffect>
-                                  </p:childTnLst>
-                                </p:cTn>
-                              </p:par>
-                            </p:childTnLst>
-                          </p:cTn>
-                        </p:par>
-                      </p:childTnLst>
-                    </p:cTn>
-                  </p:par>
-                  <p:par>
-                    <p:cTn id="92" fill="hold">
-                      <p:stCondLst>
-                        <p:cond delay="indefinite"/>
-                      </p:stCondLst>
-                      <p:childTnLst>
-                        <p:par>
-                          <p:cTn id="93" fill="hold">
-                            <p:stCondLst>
-                              <p:cond delay="0"/>
-                            </p:stCondLst>
-                            <p:childTnLst>
-                              <p:par>
-                                <p:cTn id="94" presetID="10" presetClass="entr" presetSubtype="0" fill="hold" nodeType="clickEffect">
-                                  <p:stCondLst>
-                                    <p:cond delay="0"/>
-                                  </p:stCondLst>
-                                  <p:childTnLst>
-                                    <p:set>
-                                      <p:cBhvr>
-                                        <p:cTn id="95" dur="1" fill="hold">
+                                        <p:cTn id="92" dur="1" fill="hold">
                                           <p:stCondLst>
                                             <p:cond delay="0"/>
                                           </p:stCondLst>
@@ -36993,7 +37790,7 @@
                                     </p:set>
                                     <p:animEffect transition="in" filter="fade">
                                       <p:cBhvr>
-                                        <p:cTn id="96" dur="500"/>
+                                        <p:cTn id="93" dur="500"/>
                                         <p:tgtEl>
                                           <p:spTgt spid="89"/>
                                         </p:tgtEl>
@@ -37005,30 +37802,21 @@
                             </p:childTnLst>
                           </p:cTn>
                         </p:par>
-                      </p:childTnLst>
-                    </p:cTn>
-                  </p:par>
-                  <p:par>
-                    <p:cTn id="97" fill="hold">
-                      <p:stCondLst>
-                        <p:cond delay="indefinite"/>
-                      </p:stCondLst>
-                      <p:childTnLst>
                         <p:par>
-                          <p:cTn id="98" fill="hold">
+                          <p:cTn id="94" fill="hold">
                             <p:stCondLst>
-                              <p:cond delay="0"/>
+                              <p:cond delay="5000"/>
                             </p:stCondLst>
                             <p:childTnLst>
                               <p:par>
-                                <p:cTn id="99" presetID="10" presetClass="entr" presetSubtype="0" fill="hold" nodeType="clickEffect">
+                                <p:cTn id="95" presetID="10" presetClass="entr" presetSubtype="0" fill="hold" nodeType="afterEffect">
                                   <p:stCondLst>
                                     <p:cond delay="0"/>
                                   </p:stCondLst>
                                   <p:childTnLst>
                                     <p:set>
                                       <p:cBhvr>
-                                        <p:cTn id="100" dur="1" fill="hold">
+                                        <p:cTn id="96" dur="1" fill="hold">
                                           <p:stCondLst>
                                             <p:cond delay="0"/>
                                           </p:stCondLst>
@@ -37046,7 +37834,7 @@
                                     </p:set>
                                     <p:animEffect transition="in" filter="fade">
                                       <p:cBhvr>
-                                        <p:cTn id="101" dur="500"/>
+                                        <p:cTn id="97" dur="500"/>
                                         <p:tgtEl>
                                           <p:spTgt spid="94"/>
                                         </p:tgtEl>
@@ -37058,30 +37846,21 @@
                             </p:childTnLst>
                           </p:cTn>
                         </p:par>
-                      </p:childTnLst>
-                    </p:cTn>
-                  </p:par>
-                  <p:par>
-                    <p:cTn id="102" fill="hold">
-                      <p:stCondLst>
-                        <p:cond delay="indefinite"/>
-                      </p:stCondLst>
-                      <p:childTnLst>
                         <p:par>
-                          <p:cTn id="103" fill="hold">
+                          <p:cTn id="98" fill="hold">
                             <p:stCondLst>
-                              <p:cond delay="0"/>
+                              <p:cond delay="5500"/>
                             </p:stCondLst>
                             <p:childTnLst>
                               <p:par>
-                                <p:cTn id="104" presetID="10" presetClass="entr" presetSubtype="0" fill="hold" nodeType="clickEffect">
+                                <p:cTn id="99" presetID="10" presetClass="entr" presetSubtype="0" fill="hold" nodeType="afterEffect">
                                   <p:stCondLst>
                                     <p:cond delay="0"/>
                                   </p:stCondLst>
                                   <p:childTnLst>
                                     <p:set>
                                       <p:cBhvr>
-                                        <p:cTn id="105" dur="1" fill="hold">
+                                        <p:cTn id="100" dur="1" fill="hold">
                                           <p:stCondLst>
                                             <p:cond delay="0"/>
                                           </p:stCondLst>
@@ -37099,7 +37878,7 @@
                                     </p:set>
                                     <p:animEffect transition="in" filter="fade">
                                       <p:cBhvr>
-                                        <p:cTn id="106" dur="500"/>
+                                        <p:cTn id="101" dur="500"/>
                                         <p:tgtEl>
                                           <p:spTgt spid="98"/>
                                         </p:tgtEl>
@@ -37111,30 +37890,21 @@
                             </p:childTnLst>
                           </p:cTn>
                         </p:par>
-                      </p:childTnLst>
-                    </p:cTn>
-                  </p:par>
-                  <p:par>
-                    <p:cTn id="107" fill="hold">
-                      <p:stCondLst>
-                        <p:cond delay="indefinite"/>
-                      </p:stCondLst>
-                      <p:childTnLst>
                         <p:par>
-                          <p:cTn id="108" fill="hold">
+                          <p:cTn id="102" fill="hold">
                             <p:stCondLst>
-                              <p:cond delay="0"/>
+                              <p:cond delay="6000"/>
                             </p:stCondLst>
                             <p:childTnLst>
                               <p:par>
-                                <p:cTn id="109" presetID="10" presetClass="entr" presetSubtype="0" fill="hold" nodeType="clickEffect">
+                                <p:cTn id="103" presetID="10" presetClass="entr" presetSubtype="0" fill="hold" nodeType="afterEffect">
                                   <p:stCondLst>
                                     <p:cond delay="0"/>
                                   </p:stCondLst>
                                   <p:childTnLst>
                                     <p:set>
                                       <p:cBhvr>
-                                        <p:cTn id="110" dur="1" fill="hold">
+                                        <p:cTn id="104" dur="1" fill="hold">
                                           <p:stCondLst>
                                             <p:cond delay="0"/>
                                           </p:stCondLst>
@@ -37152,7 +37922,7 @@
                                     </p:set>
                                     <p:animEffect transition="in" filter="fade">
                                       <p:cBhvr>
-                                        <p:cTn id="111" dur="500"/>
+                                        <p:cTn id="105" dur="500"/>
                                         <p:tgtEl>
                                           <p:spTgt spid="101"/>
                                         </p:tgtEl>
@@ -38729,6 +39499,18 @@
   <p:clrMapOvr>
     <a:masterClrMapping/>
   </p:clrMapOvr>
+  <mc:AlternateContent xmlns:mc="http://schemas.openxmlformats.org/markup-compatibility/2006" xmlns:p15="http://schemas.microsoft.com/office/powerpoint/2012/main">
+    <mc:Choice Requires="p15">
+      <p:transition xmlns:p14="http://schemas.microsoft.com/office/powerpoint/2010/main" spd="slow" p14:dur="1250">
+        <p15:prstTrans prst="pageCurlDouble"/>
+      </p:transition>
+    </mc:Choice>
+    <mc:Fallback xmlns="">
+      <p:transition spd="slow">
+        <p:fade/>
+      </p:transition>
+    </mc:Fallback>
+  </mc:AlternateContent>
 </p:sld>
 </file>
 
@@ -39383,6 +40165,18 @@
   <p:clrMapOvr>
     <a:masterClrMapping/>
   </p:clrMapOvr>
+  <mc:AlternateContent xmlns:mc="http://schemas.openxmlformats.org/markup-compatibility/2006" xmlns:p15="http://schemas.microsoft.com/office/powerpoint/2012/main">
+    <mc:Choice Requires="p15">
+      <p:transition xmlns:p14="http://schemas.microsoft.com/office/powerpoint/2010/main" spd="slow" p14:dur="1250">
+        <p15:prstTrans prst="pageCurlDouble"/>
+      </p:transition>
+    </mc:Choice>
+    <mc:Fallback xmlns="">
+      <p:transition spd="slow">
+        <p:fade/>
+      </p:transition>
+    </mc:Fallback>
+  </mc:AlternateContent>
 </p:sld>
 </file>
 
@@ -40288,142 +41082,18 @@
   <p:clrMapOvr>
     <a:masterClrMapping/>
   </p:clrMapOvr>
-  <p:timing>
-    <p:tnLst>
-      <p:par>
-        <p:cTn id="1" dur="indefinite" restart="never" nodeType="tmRoot">
-          <p:childTnLst>
-            <p:seq concurrent="1" nextAc="seek">
-              <p:cTn id="2" dur="indefinite" nodeType="mainSeq">
-                <p:childTnLst>
-                  <p:par>
-                    <p:cTn id="3" fill="hold">
-                      <p:stCondLst>
-                        <p:cond delay="indefinite"/>
-                        <p:cond evt="onBegin" delay="0">
-                          <p:tn val="2"/>
-                        </p:cond>
-                      </p:stCondLst>
-                      <p:childTnLst>
-                        <p:par>
-                          <p:cTn id="4" fill="hold">
-                            <p:stCondLst>
-                              <p:cond delay="0"/>
-                            </p:stCondLst>
-                            <p:childTnLst>
-                              <p:par>
-                                <p:cTn id="5" presetID="1" presetClass="entr" presetSubtype="0" fill="hold" grpId="0" nodeType="withEffect">
-                                  <p:stCondLst>
-                                    <p:cond delay="0"/>
-                                  </p:stCondLst>
-                                  <p:childTnLst>
-                                    <p:set>
-                                      <p:cBhvr>
-                                        <p:cTn id="6" dur="1" fill="hold">
-                                          <p:stCondLst>
-                                            <p:cond delay="0"/>
-                                          </p:stCondLst>
-                                        </p:cTn>
-                                        <p:tgtEl>
-                                          <p:spTgt spid="4"/>
-                                        </p:tgtEl>
-                                        <p:attrNameLst>
-                                          <p:attrName>style.visibility</p:attrName>
-                                        </p:attrNameLst>
-                                      </p:cBhvr>
-                                      <p:to>
-                                        <p:strVal val="visible"/>
-                                      </p:to>
-                                    </p:set>
-                                  </p:childTnLst>
-                                </p:cTn>
-                              </p:par>
-                              <p:par>
-                                <p:cTn id="7" presetID="1" presetClass="entr" presetSubtype="0" fill="hold" nodeType="withEffect">
-                                  <p:stCondLst>
-                                    <p:cond delay="0"/>
-                                  </p:stCondLst>
-                                  <p:childTnLst>
-                                    <p:set>
-                                      <p:cBhvr>
-                                        <p:cTn id="8" dur="1" fill="hold">
-                                          <p:stCondLst>
-                                            <p:cond delay="0"/>
-                                          </p:stCondLst>
-                                        </p:cTn>
-                                        <p:tgtEl>
-                                          <p:spTgt spid="5"/>
-                                        </p:tgtEl>
-                                        <p:attrNameLst>
-                                          <p:attrName>style.visibility</p:attrName>
-                                        </p:attrNameLst>
-                                      </p:cBhvr>
-                                      <p:to>
-                                        <p:strVal val="visible"/>
-                                      </p:to>
-                                    </p:set>
-                                  </p:childTnLst>
-                                </p:cTn>
-                              </p:par>
-                              <p:par>
-                                <p:cTn id="9" presetID="1" presetClass="entr" presetSubtype="0" fill="hold" grpId="0" nodeType="withEffect">
-                                  <p:stCondLst>
-                                    <p:cond delay="0"/>
-                                  </p:stCondLst>
-                                  <p:childTnLst>
-                                    <p:set>
-                                      <p:cBhvr>
-                                        <p:cTn id="10" dur="1" fill="hold">
-                                          <p:stCondLst>
-                                            <p:cond delay="0"/>
-                                          </p:stCondLst>
-                                        </p:cTn>
-                                        <p:tgtEl>
-                                          <p:spTgt spid="15"/>
-                                        </p:tgtEl>
-                                        <p:attrNameLst>
-                                          <p:attrName>style.visibility</p:attrName>
-                                        </p:attrNameLst>
-                                      </p:cBhvr>
-                                      <p:to>
-                                        <p:strVal val="visible"/>
-                                      </p:to>
-                                    </p:set>
-                                  </p:childTnLst>
-                                </p:cTn>
-                              </p:par>
-                            </p:childTnLst>
-                          </p:cTn>
-                        </p:par>
-                      </p:childTnLst>
-                    </p:cTn>
-                  </p:par>
-                </p:childTnLst>
-              </p:cTn>
-              <p:prevCondLst>
-                <p:cond evt="onPrev" delay="0">
-                  <p:tgtEl>
-                    <p:sldTgt/>
-                  </p:tgtEl>
-                </p:cond>
-              </p:prevCondLst>
-              <p:nextCondLst>
-                <p:cond evt="onNext" delay="0">
-                  <p:tgtEl>
-                    <p:sldTgt/>
-                  </p:tgtEl>
-                </p:cond>
-              </p:nextCondLst>
-            </p:seq>
-          </p:childTnLst>
-        </p:cTn>
-      </p:par>
-    </p:tnLst>
-    <p:bldLst>
-      <p:bldP spid="4" grpId="0"/>
-      <p:bldP spid="15" grpId="0"/>
-    </p:bldLst>
-  </p:timing>
+  <mc:AlternateContent xmlns:mc="http://schemas.openxmlformats.org/markup-compatibility/2006" xmlns:p15="http://schemas.microsoft.com/office/powerpoint/2012/main">
+    <mc:Choice Requires="p15">
+      <p:transition xmlns:p14="http://schemas.microsoft.com/office/powerpoint/2010/main" spd="slow" p14:dur="1250">
+        <p15:prstTrans prst="pageCurlDouble"/>
+      </p:transition>
+    </mc:Choice>
+    <mc:Fallback xmlns="">
+      <p:transition spd="slow">
+        <p:fade/>
+      </p:transition>
+    </mc:Fallback>
+  </mc:AlternateContent>
 </p:sld>
 </file>
 
@@ -41460,6 +42130,18 @@
   <p:clrMapOvr>
     <a:masterClrMapping/>
   </p:clrMapOvr>
+  <mc:AlternateContent xmlns:mc="http://schemas.openxmlformats.org/markup-compatibility/2006" xmlns:p15="http://schemas.microsoft.com/office/powerpoint/2012/main">
+    <mc:Choice Requires="p15">
+      <p:transition xmlns:p14="http://schemas.microsoft.com/office/powerpoint/2010/main" spd="slow" p14:dur="1250">
+        <p15:prstTrans prst="pageCurlDouble"/>
+      </p:transition>
+    </mc:Choice>
+    <mc:Fallback xmlns="">
+      <p:transition spd="slow">
+        <p:fade/>
+      </p:transition>
+    </mc:Fallback>
+  </mc:AlternateContent>
 </p:sld>
 </file>
 
@@ -44019,6 +44701,18 @@
   <p:clrMapOvr>
     <a:masterClrMapping/>
   </p:clrMapOvr>
+  <mc:AlternateContent xmlns:mc="http://schemas.openxmlformats.org/markup-compatibility/2006" xmlns:p15="http://schemas.microsoft.com/office/powerpoint/2012/main">
+    <mc:Choice Requires="p15">
+      <p:transition xmlns:p14="http://schemas.microsoft.com/office/powerpoint/2010/main" spd="slow" p14:dur="1250">
+        <p15:prstTrans prst="pageCurlDouble"/>
+      </p:transition>
+    </mc:Choice>
+    <mc:Fallback xmlns="">
+      <p:transition spd="slow">
+        <p:fade/>
+      </p:transition>
+    </mc:Fallback>
+  </mc:AlternateContent>
 </p:sld>
 </file>
 
@@ -44707,6 +45401,18 @@
   <p:clrMapOvr>
     <a:masterClrMapping/>
   </p:clrMapOvr>
+  <mc:AlternateContent xmlns:mc="http://schemas.openxmlformats.org/markup-compatibility/2006" xmlns:p15="http://schemas.microsoft.com/office/powerpoint/2012/main">
+    <mc:Choice Requires="p15">
+      <p:transition xmlns:p14="http://schemas.microsoft.com/office/powerpoint/2010/main" spd="slow" p14:dur="1250">
+        <p15:prstTrans prst="pageCurlDouble"/>
+      </p:transition>
+    </mc:Choice>
+    <mc:Fallback xmlns="">
+      <p:transition spd="slow">
+        <p:fade/>
+      </p:transition>
+    </mc:Fallback>
+  </mc:AlternateContent>
 </p:sld>
 </file>
 
@@ -45088,6 +45794,18 @@
   <p:clrMapOvr>
     <a:masterClrMapping/>
   </p:clrMapOvr>
+  <mc:AlternateContent xmlns:mc="http://schemas.openxmlformats.org/markup-compatibility/2006" xmlns:p15="http://schemas.microsoft.com/office/powerpoint/2012/main">
+    <mc:Choice Requires="p15">
+      <p:transition xmlns:p14="http://schemas.microsoft.com/office/powerpoint/2010/main" spd="slow" p14:dur="1250">
+        <p15:prstTrans prst="pageCurlDouble"/>
+      </p:transition>
+    </mc:Choice>
+    <mc:Fallback xmlns="">
+      <p:transition spd="slow">
+        <p:fade/>
+      </p:transition>
+    </mc:Fallback>
+  </mc:AlternateContent>
 </p:sld>
 </file>
 
@@ -45843,6 +46561,18 @@
   <p:clrMapOvr>
     <a:masterClrMapping/>
   </p:clrMapOvr>
+  <mc:AlternateContent xmlns:mc="http://schemas.openxmlformats.org/markup-compatibility/2006" xmlns:p15="http://schemas.microsoft.com/office/powerpoint/2012/main">
+    <mc:Choice Requires="p15">
+      <p:transition xmlns:p14="http://schemas.microsoft.com/office/powerpoint/2010/main" spd="slow" p14:dur="1250">
+        <p15:prstTrans prst="pageCurlDouble"/>
+      </p:transition>
+    </mc:Choice>
+    <mc:Fallback xmlns="">
+      <p:transition spd="slow">
+        <p:fade/>
+      </p:transition>
+    </mc:Fallback>
+  </mc:AlternateContent>
 </p:sld>
 </file>
 
@@ -46164,6 +46894,18 @@
   <p:clrMapOvr>
     <a:masterClrMapping/>
   </p:clrMapOvr>
+  <mc:AlternateContent xmlns:mc="http://schemas.openxmlformats.org/markup-compatibility/2006" xmlns:p15="http://schemas.microsoft.com/office/powerpoint/2012/main">
+    <mc:Choice Requires="p15">
+      <p:transition xmlns:p14="http://schemas.microsoft.com/office/powerpoint/2010/main" spd="slow" p14:dur="1250">
+        <p15:prstTrans prst="pageCurlDouble"/>
+      </p:transition>
+    </mc:Choice>
+    <mc:Fallback xmlns="">
+      <p:transition spd="slow">
+        <p:fade/>
+      </p:transition>
+    </mc:Fallback>
+  </mc:AlternateContent>
 </p:sld>
 </file>
 
@@ -47169,6 +47911,18 @@
   <p:clrMapOvr>
     <a:masterClrMapping/>
   </p:clrMapOvr>
+  <mc:AlternateContent xmlns:mc="http://schemas.openxmlformats.org/markup-compatibility/2006" xmlns:p15="http://schemas.microsoft.com/office/powerpoint/2012/main">
+    <mc:Choice Requires="p15">
+      <p:transition xmlns:p14="http://schemas.microsoft.com/office/powerpoint/2010/main" spd="slow" p14:dur="1250">
+        <p15:prstTrans prst="pageCurlDouble"/>
+      </p:transition>
+    </mc:Choice>
+    <mc:Fallback xmlns="">
+      <p:transition spd="slow">
+        <p:fade/>
+      </p:transition>
+    </mc:Fallback>
+  </mc:AlternateContent>
 </p:sld>
 </file>
 
